--- a/phase-2/forms/slides/forms.pptx
+++ b/phase-2/forms/slides/forms.pptx
@@ -5222,7 +5222,7 @@
       </p:grpSpPr>
       <p:sp>
         <p:nvSpPr>
-          <p:cNvPr id="167" name="What’s your favorite number?"/>
+          <p:cNvPr id="167" name="What’s your favorite movie?"/>
           <p:cNvSpPr txBox="1"/>
           <p:nvPr>
             <p:ph type="body" sz="half" idx="1"/>
@@ -5239,7 +5239,7 @@
           <a:p>
             <a:pPr/>
             <a:r>
-              <a:t>What’s your favorite number?</a:t>
+              <a:t>What’s your favorite movie?</a:t>
             </a:r>
           </a:p>
         </p:txBody>

--- a/phase-2/forms/slides/forms.pptx
+++ b/phase-2/forms/slides/forms.pptx
@@ -19,6 +19,7 @@
     <p:sldId id="264" r:id="rId16"/>
     <p:sldId id="265" r:id="rId17"/>
     <p:sldId id="266" r:id="rId18"/>
+    <p:sldId id="267" r:id="rId19"/>
   </p:sldIdLst>
   <p:sldSz cx="24384000" cy="13716000"/>
   <p:notesSz cx="6858000" cy="9144000"/>
@@ -3921,7 +3922,7 @@
       </p:grpSpPr>
       <p:sp>
         <p:nvSpPr>
-          <p:cNvPr id="151" name="Sakib Rasul | June 15, 2023"/>
+          <p:cNvPr id="151" name="Sakib Rasul | Updated August 4, 2023"/>
           <p:cNvSpPr txBox="1"/>
           <p:nvPr>
             <p:ph type="body" idx="21"/>
@@ -3943,7 +3944,7 @@
           <a:p>
             <a:pPr/>
             <a:r>
-              <a:t>Sakib Rasul | June 15, 2023</a:t>
+              <a:t>Sakib Rasul | Updated August 4, 2023</a:t>
             </a:r>
           </a:p>
         </p:txBody>
@@ -4024,10 +4025,10 @@
       </p:grpSpPr>
       <p:sp>
         <p:nvSpPr>
-          <p:cNvPr id="178" name="I’m feeling lucky."/>
+          <p:cNvPr id="177" name="Why “control” a form?"/>
           <p:cNvSpPr txBox="1"/>
           <p:nvPr>
-            <p:ph type="body" sz="half" idx="1"/>
+            <p:ph type="title"/>
           </p:nvPr>
         </p:nvSpPr>
         <p:spPr>
@@ -4041,7 +4042,113 @@
           <a:p>
             <a:pPr/>
             <a:r>
-              <a:t>I’m feeling lucky.</a:t>
+              <a:t>Why “control” a form?</a:t>
+            </a:r>
+          </a:p>
+        </p:txBody>
+      </p:sp>
+      <p:sp>
+        <p:nvSpPr>
+          <p:cNvPr id="178" name="Controlling a component (i.e., lifting its state) requires setup.…"/>
+          <p:cNvSpPr txBox="1"/>
+          <p:nvPr>
+            <p:ph type="body" idx="1"/>
+          </p:nvPr>
+        </p:nvSpPr>
+        <p:spPr>
+          <a:xfrm>
+            <a:off x="1206500" y="4248503"/>
+            <a:ext cx="21971000" cy="8256013"/>
+          </a:xfrm>
+          <a:prstGeom prst="rect">
+            <a:avLst/>
+          </a:prstGeom>
+        </p:spPr>
+        <p:txBody>
+          <a:bodyPr/>
+          <a:lstStyle/>
+          <a:p>
+            <a:pPr lvl="1"/>
+            <a:r>
+              <a:t>Controlling a component (i.e., lifting its state) requires setup.</a:t>
+            </a:r>
+          </a:p>
+          <a:p>
+            <a:pPr lvl="2"/>
+            <a:r>
+              <a:t>It’d be tedious and unwise to lift all state.</a:t>
+            </a:r>
+          </a:p>
+          <a:p>
+            <a:pPr lvl="2"/>
+            <a:r>
+              <a:t>Often, state belongs right where its rendered.</a:t>
+            </a:r>
+          </a:p>
+          <a:p>
+            <a:pPr lvl="1"/>
+            <a:r>
+              <a:t>However, controlling a component grants us </a:t>
+            </a:r>
+            <a:r>
+              <a:rPr u="sng"/>
+              <a:t>maximal flexibility</a:t>
+            </a:r>
+            <a:r>
+              <a:t>.</a:t>
+            </a:r>
+          </a:p>
+          <a:p>
+            <a:pPr lvl="2"/>
+            <a:r>
+              <a:t>For forms, we get cool stuff like input </a:t>
+            </a:r>
+            <a:r>
+              <a:rPr u="sng"/>
+              <a:t>validation</a:t>
+            </a:r>
+            <a:r>
+              <a:t> and </a:t>
+            </a:r>
+            <a:r>
+              <a:rPr u="sng"/>
+              <a:t>synchronization.</a:t>
+            </a:r>
+          </a:p>
+        </p:txBody>
+      </p:sp>
+      <p:sp>
+        <p:nvSpPr>
+          <p:cNvPr id="179" name="*I put “control” in quotes because when we talk about a controlled form, we really mean a form that controls its children."/>
+          <p:cNvSpPr txBox="1"/>
+          <p:nvPr/>
+        </p:nvSpPr>
+        <p:spPr>
+          <a:xfrm>
+            <a:off x="2324357" y="12692498"/>
+            <a:ext cx="19735287" cy="461366"/>
+          </a:xfrm>
+          <a:prstGeom prst="rect">
+            <a:avLst/>
+          </a:prstGeom>
+          <a:ln w="12700">
+            <a:miter lim="400000"/>
+          </a:ln>
+          <a:extLst>
+            <a:ext uri="{C572A759-6A51-4108-AA02-DFA0A04FC94B}">
+              <ma14:wrappingTextBoxFlag xmlns:ma14="http://schemas.microsoft.com/office/mac/drawingml/2011/main" val="1"/>
+            </a:ext>
+          </a:extLst>
+        </p:spPr>
+        <p:txBody>
+          <a:bodyPr lIns="50800" tIns="50800" rIns="50800" bIns="50800" anchor="ctr">
+            <a:spAutoFit/>
+          </a:bodyPr>
+          <a:lstStyle/>
+          <a:p>
+            <a:pPr/>
+            <a:r>
+              <a:t>*I put “control” in quotes because when we talk about a controlled form, we really mean a form that controls its children.</a:t>
             </a:r>
           </a:p>
         </p:txBody>
@@ -4074,7 +4181,57 @@
       </p:grpSpPr>
       <p:sp>
         <p:nvSpPr>
-          <p:cNvPr id="180" name="Questions? // Thanks!"/>
+          <p:cNvPr id="181" name="I’m feeling lucky."/>
+          <p:cNvSpPr txBox="1"/>
+          <p:nvPr>
+            <p:ph type="body" sz="half" idx="1"/>
+          </p:nvPr>
+        </p:nvSpPr>
+        <p:spPr>
+          <a:prstGeom prst="rect">
+            <a:avLst/>
+          </a:prstGeom>
+        </p:spPr>
+        <p:txBody>
+          <a:bodyPr/>
+          <a:lstStyle/>
+          <a:p>
+            <a:pPr/>
+            <a:r>
+              <a:t>I’m feeling lucky.</a:t>
+            </a:r>
+          </a:p>
+        </p:txBody>
+      </p:sp>
+    </p:spTree>
+  </p:cSld>
+  <p:clrMapOvr>
+    <a:masterClrMapping/>
+  </p:clrMapOvr>
+  <p:transition xmlns:p14="http://schemas.microsoft.com/office/powerpoint/2010/main" spd="med" advClick="1"/>
+</p:sld>
+</file>
+
+<file path=ppt/slides/slide12.xml><?xml version="1.0" encoding="utf-8"?>
+<p:sld xmlns:a="http://schemas.openxmlformats.org/drawingml/2006/main" xmlns:r="http://schemas.openxmlformats.org/officeDocument/2006/relationships" xmlns:p="http://schemas.openxmlformats.org/presentationml/2006/main" xmlns:m="http://schemas.openxmlformats.org/officeDocument/2006/math" xmlns:a14="http://schemas.microsoft.com/office/drawing/2010/main" showMasterSp="1" showMasterPhAnim="1">
+  <p:cSld>
+    <p:spTree>
+      <p:nvGrpSpPr>
+        <p:cNvPr id="1" name=""/>
+        <p:cNvGrpSpPr/>
+        <p:nvPr/>
+      </p:nvGrpSpPr>
+      <p:grpSpPr>
+        <a:xfrm>
+          <a:off x="0" y="0"/>
+          <a:ext cx="0" cy="0"/>
+          <a:chOff x="0" y="0"/>
+          <a:chExt cx="0" cy="0"/>
+        </a:xfrm>
+      </p:grpSpPr>
+      <p:sp>
+        <p:nvSpPr>
+          <p:cNvPr id="183" name="Questions? // Thanks!"/>
           <p:cNvSpPr txBox="1"/>
           <p:nvPr>
             <p:ph type="body" sz="half" idx="1"/>
@@ -4178,7 +4335,7 @@
               <a:defRPr i="1"/>
             </a:pPr>
             <a:r>
-              <a:t>How do we handle forms in React?</a:t>
+              <a:t>How do we write forms in React?</a:t>
             </a:r>
           </a:p>
           <a:p>
@@ -4198,11 +4355,11 @@
               <a:defRPr i="1"/>
             </a:pPr>
             <a:r>
-              <a:t>What’s an </a:t>
+              <a:t>What does it mean for a form to be </a:t>
             </a:r>
             <a:r>
               <a:rPr b="1"/>
-              <a:t>(un)controlled component</a:t>
+              <a:t>(un)controlled</a:t>
             </a:r>
             <a:r>
               <a:t>?</a:t>
@@ -4248,13 +4405,17 @@
       </p:grpSpPr>
       <p:sp>
         <p:nvSpPr>
-          <p:cNvPr id="158" name="How do we handle forms in React?"/>
+          <p:cNvPr id="158" name="Uncontrolled Forms"/>
           <p:cNvSpPr txBox="1"/>
           <p:nvPr>
             <p:ph type="title"/>
           </p:nvPr>
         </p:nvSpPr>
         <p:spPr>
+          <a:xfrm>
+            <a:off x="1206500" y="948957"/>
+            <a:ext cx="21971000" cy="1433164"/>
+          </a:xfrm>
           <a:prstGeom prst="rect">
             <a:avLst/>
           </a:prstGeom>
@@ -4265,20 +4426,24 @@
           <a:p>
             <a:pPr/>
             <a:r>
-              <a:t>How do we handle forms in React?</a:t>
+              <a:t>Uncontrolled Forms</a:t>
             </a:r>
           </a:p>
         </p:txBody>
       </p:sp>
       <p:sp>
         <p:nvSpPr>
-          <p:cNvPr id="159" name="Earlier this week, we learned that a user event is often a sign we have something dynamic and independent that we can hold in state.…"/>
+          <p:cNvPr id="159" name="export default function Form() {…"/>
           <p:cNvSpPr txBox="1"/>
           <p:nvPr>
-            <p:ph type="body" idx="1"/>
+            <p:ph type="body" sz="half" idx="1"/>
           </p:nvPr>
         </p:nvSpPr>
         <p:spPr>
+          <a:xfrm>
+            <a:off x="11863022" y="4185411"/>
+            <a:ext cx="11020183" cy="7848446"/>
+          </a:xfrm>
           <a:prstGeom prst="rect">
             <a:avLst/>
           </a:prstGeom>
@@ -4287,48 +4452,419 @@
           <a:bodyPr/>
           <a:lstStyle/>
           <a:p>
-            <a:pPr/>
-            <a:r>
-              <a:t>Earlier this week, we learned that a </a:t>
-            </a:r>
-            <a:r>
-              <a:rPr u="sng"/>
-              <a:t>user event</a:t>
-            </a:r>
-            <a:r>
-              <a:t> is often a sign we have something </a:t>
-            </a:r>
-            <a:r>
-              <a:rPr u="sng"/>
-              <a:t>dynamic</a:t>
-            </a:r>
-            <a:r>
-              <a:t> and </a:t>
-            </a:r>
-            <a:r>
-              <a:rPr u="sng"/>
-              <a:t>independent</a:t>
-            </a:r>
-            <a:r>
-              <a:t> that we can hold in state.</a:t>
-            </a:r>
-          </a:p>
-          <a:p>
-            <a:pPr/>
-            <a:r>
-              <a:t>When a user fills out a form, they fire countless events.</a:t>
-            </a:r>
-          </a:p>
-          <a:p>
-            <a:pPr/>
-            <a:r>
-              <a:t>Most of these events affect a form’s input values.</a:t>
-            </a:r>
-          </a:p>
-          <a:p>
-            <a:pPr/>
-            <a:r>
-              <a:t>Ergo, it makes sense to hold and update input values in state!</a:t>
+            <a:pPr marL="0" indent="0" defTabSz="2096971">
+              <a:spcBef>
+                <a:spcPts val="3800"/>
+              </a:spcBef>
+              <a:buSzTx/>
+              <a:buNone/>
+              <a:defRPr sz="4128">
+                <a:solidFill>
+                  <a:schemeClr val="accent1">
+                    <a:lumOff val="13575"/>
+                  </a:schemeClr>
+                </a:solidFill>
+                <a:latin typeface="Courier New"/>
+                <a:ea typeface="Courier New"/>
+                <a:cs typeface="Courier New"/>
+                <a:sym typeface="Courier New"/>
+              </a:defRPr>
+            </a:pPr>
+            <a:r>
+              <a:t>export default function Form() {</a:t>
+            </a:r>
+          </a:p>
+          <a:p>
+            <a:pPr lvl="1" marL="0" indent="393192" defTabSz="2096971">
+              <a:spcBef>
+                <a:spcPts val="3800"/>
+              </a:spcBef>
+              <a:buSzTx/>
+              <a:buNone/>
+              <a:defRPr sz="4128">
+                <a:solidFill>
+                  <a:schemeClr val="accent1">
+                    <a:lumOff val="13575"/>
+                  </a:schemeClr>
+                </a:solidFill>
+                <a:latin typeface="Courier New"/>
+                <a:ea typeface="Courier New"/>
+                <a:cs typeface="Courier New"/>
+                <a:sym typeface="Courier New"/>
+              </a:defRPr>
+            </a:pPr>
+            <a:r>
+              <a:t>return (</a:t>
+            </a:r>
+          </a:p>
+          <a:p>
+            <a:pPr lvl="2" marL="0" indent="786384" defTabSz="2096971">
+              <a:spcBef>
+                <a:spcPts val="3800"/>
+              </a:spcBef>
+              <a:buSzTx/>
+              <a:buNone/>
+              <a:defRPr sz="4128">
+                <a:solidFill>
+                  <a:schemeClr val="accent3">
+                    <a:hueOff val="-385756"/>
+                    <a:satOff val="-32155"/>
+                    <a:lumOff val="17967"/>
+                  </a:schemeClr>
+                </a:solidFill>
+                <a:latin typeface="Courier New"/>
+                <a:ea typeface="Courier New"/>
+                <a:cs typeface="Courier New"/>
+                <a:sym typeface="Courier New"/>
+              </a:defRPr>
+            </a:pPr>
+            <a:r>
+              <a:t>&lt;form&gt;</a:t>
+            </a:r>
+          </a:p>
+          <a:p>
+            <a:pPr lvl="3" marL="0" indent="1179576" defTabSz="2096971">
+              <a:spcBef>
+                <a:spcPts val="3800"/>
+              </a:spcBef>
+              <a:buSzTx/>
+              <a:buNone/>
+              <a:defRPr sz="4128">
+                <a:solidFill>
+                  <a:schemeClr val="accent3">
+                    <a:hueOff val="-385756"/>
+                    <a:satOff val="-32155"/>
+                    <a:lumOff val="17967"/>
+                  </a:schemeClr>
+                </a:solidFill>
+                <a:latin typeface="Courier New"/>
+                <a:ea typeface="Courier New"/>
+                <a:cs typeface="Courier New"/>
+                <a:sym typeface="Courier New"/>
+              </a:defRPr>
+            </a:pPr>
+            <a:r>
+              <a:t>&lt;label&gt;Name&lt;input /&gt;&lt;/label&gt;</a:t>
+            </a:r>
+          </a:p>
+          <a:p>
+            <a:pPr lvl="3" marL="0" indent="1179576" defTabSz="2096971">
+              <a:spcBef>
+                <a:spcPts val="3800"/>
+              </a:spcBef>
+              <a:buSzTx/>
+              <a:buNone/>
+              <a:defRPr sz="4128">
+                <a:solidFill>
+                  <a:schemeClr val="accent3">
+                    <a:hueOff val="-385756"/>
+                    <a:satOff val="-32155"/>
+                    <a:lumOff val="17967"/>
+                  </a:schemeClr>
+                </a:solidFill>
+                <a:latin typeface="Courier New"/>
+                <a:ea typeface="Courier New"/>
+                <a:cs typeface="Courier New"/>
+                <a:sym typeface="Courier New"/>
+              </a:defRPr>
+            </a:pPr>
+            <a:r>
+              <a:t>&lt;input type=“submit” /&gt;</a:t>
+            </a:r>
+          </a:p>
+          <a:p>
+            <a:pPr lvl="2" marL="0" indent="786384" defTabSz="2096971">
+              <a:spcBef>
+                <a:spcPts val="3800"/>
+              </a:spcBef>
+              <a:buSzTx/>
+              <a:buNone/>
+              <a:defRPr sz="4128">
+                <a:solidFill>
+                  <a:schemeClr val="accent3">
+                    <a:hueOff val="-385756"/>
+                    <a:satOff val="-32155"/>
+                    <a:lumOff val="17967"/>
+                  </a:schemeClr>
+                </a:solidFill>
+                <a:latin typeface="Courier New"/>
+                <a:ea typeface="Courier New"/>
+                <a:cs typeface="Courier New"/>
+                <a:sym typeface="Courier New"/>
+              </a:defRPr>
+            </a:pPr>
+            <a:r>
+              <a:t>&lt;form&gt;</a:t>
+            </a:r>
+          </a:p>
+          <a:p>
+            <a:pPr lvl="1" marL="0" indent="393192" defTabSz="2096971">
+              <a:spcBef>
+                <a:spcPts val="3800"/>
+              </a:spcBef>
+              <a:buSzTx/>
+              <a:buNone/>
+              <a:defRPr sz="4128">
+                <a:solidFill>
+                  <a:schemeClr val="accent1">
+                    <a:lumOff val="13575"/>
+                  </a:schemeClr>
+                </a:solidFill>
+                <a:latin typeface="Courier New"/>
+                <a:ea typeface="Courier New"/>
+                <a:cs typeface="Courier New"/>
+                <a:sym typeface="Courier New"/>
+              </a:defRPr>
+            </a:pPr>
+            <a:r>
+              <a:t>)</a:t>
+            </a:r>
+          </a:p>
+          <a:p>
+            <a:pPr marL="0" indent="0" defTabSz="2096971">
+              <a:spcBef>
+                <a:spcPts val="3800"/>
+              </a:spcBef>
+              <a:buSzTx/>
+              <a:buNone/>
+              <a:defRPr sz="4128">
+                <a:solidFill>
+                  <a:schemeClr val="accent1">
+                    <a:lumOff val="13575"/>
+                  </a:schemeClr>
+                </a:solidFill>
+                <a:latin typeface="Courier New"/>
+                <a:ea typeface="Courier New"/>
+                <a:cs typeface="Courier New"/>
+                <a:sym typeface="Courier New"/>
+              </a:defRPr>
+            </a:pPr>
+            <a:r>
+              <a:t>}</a:t>
+            </a:r>
+          </a:p>
+        </p:txBody>
+      </p:sp>
+      <p:sp>
+        <p:nvSpPr>
+          <p:cNvPr id="160" name="export default function App() {…"/>
+          <p:cNvSpPr txBox="1"/>
+          <p:nvPr/>
+        </p:nvSpPr>
+        <p:spPr>
+          <a:xfrm>
+            <a:off x="1206500" y="4248504"/>
+            <a:ext cx="11020183" cy="7848446"/>
+          </a:xfrm>
+          <a:prstGeom prst="rect">
+            <a:avLst/>
+          </a:prstGeom>
+          <a:ln w="12700">
+            <a:miter lim="400000"/>
+          </a:ln>
+          <a:extLst>
+            <a:ext uri="{C572A759-6A51-4108-AA02-DFA0A04FC94B}">
+              <ma14:wrappingTextBoxFlag xmlns:ma14="http://schemas.microsoft.com/office/mac/drawingml/2011/main" val="1"/>
+            </a:ext>
+          </a:extLst>
+        </p:spPr>
+        <p:txBody>
+          <a:bodyPr lIns="50800" tIns="50800" rIns="50800" bIns="50800">
+            <a:normAutofit fontScale="100000" lnSpcReduction="0"/>
+          </a:bodyPr>
+          <a:lstStyle/>
+          <a:p>
+            <a:pPr algn="l" defTabSz="2048204">
+              <a:lnSpc>
+                <a:spcPct val="90000"/>
+              </a:lnSpc>
+              <a:spcBef>
+                <a:spcPts val="3700"/>
+              </a:spcBef>
+              <a:defRPr sz="4032">
+                <a:solidFill>
+                  <a:schemeClr val="accent1">
+                    <a:lumOff val="13575"/>
+                  </a:schemeClr>
+                </a:solidFill>
+                <a:latin typeface="Courier New"/>
+                <a:ea typeface="Courier New"/>
+                <a:cs typeface="Courier New"/>
+                <a:sym typeface="Courier New"/>
+              </a:defRPr>
+            </a:pPr>
+            <a:r>
+              <a:t>export default function App() {</a:t>
+            </a:r>
+          </a:p>
+          <a:p>
+            <a:pPr lvl="1" indent="384047" algn="l" defTabSz="2048204">
+              <a:lnSpc>
+                <a:spcPct val="90000"/>
+              </a:lnSpc>
+              <a:spcBef>
+                <a:spcPts val="3700"/>
+              </a:spcBef>
+              <a:defRPr sz="4032">
+                <a:solidFill>
+                  <a:schemeClr val="accent1">
+                    <a:lumOff val="13575"/>
+                  </a:schemeClr>
+                </a:solidFill>
+                <a:latin typeface="Courier New"/>
+                <a:ea typeface="Courier New"/>
+                <a:cs typeface="Courier New"/>
+                <a:sym typeface="Courier New"/>
+              </a:defRPr>
+            </a:pPr>
+            <a:r>
+              <a:t>return (</a:t>
+            </a:r>
+          </a:p>
+          <a:p>
+            <a:pPr lvl="2" indent="768095" algn="l" defTabSz="2048204">
+              <a:lnSpc>
+                <a:spcPct val="90000"/>
+              </a:lnSpc>
+              <a:spcBef>
+                <a:spcPts val="3700"/>
+              </a:spcBef>
+              <a:defRPr sz="4032">
+                <a:solidFill>
+                  <a:schemeClr val="accent1">
+                    <a:lumOff val="13575"/>
+                  </a:schemeClr>
+                </a:solidFill>
+                <a:latin typeface="Courier New"/>
+                <a:ea typeface="Courier New"/>
+                <a:cs typeface="Courier New"/>
+                <a:sym typeface="Courier New"/>
+              </a:defRPr>
+            </a:pPr>
+            <a:r>
+              <a:t>&lt;&gt;</a:t>
+            </a:r>
+          </a:p>
+          <a:p>
+            <a:pPr lvl="3" indent="1152143" algn="l" defTabSz="2048204">
+              <a:lnSpc>
+                <a:spcPct val="90000"/>
+              </a:lnSpc>
+              <a:spcBef>
+                <a:spcPts val="3700"/>
+              </a:spcBef>
+              <a:defRPr sz="4032">
+                <a:solidFill>
+                  <a:schemeClr val="accent3">
+                    <a:hueOff val="-385756"/>
+                    <a:satOff val="-32155"/>
+                    <a:lumOff val="17967"/>
+                  </a:schemeClr>
+                </a:solidFill>
+                <a:latin typeface="Courier New"/>
+                <a:ea typeface="Courier New"/>
+                <a:cs typeface="Courier New"/>
+                <a:sym typeface="Courier New"/>
+              </a:defRPr>
+            </a:pPr>
+            <a:r>
+              <a:t>&lt;h1&gt;Fill this out, please!&lt;/h1&gt;</a:t>
+            </a:r>
+          </a:p>
+          <a:p>
+            <a:pPr lvl="3" indent="1152143" algn="l" defTabSz="2048204">
+              <a:lnSpc>
+                <a:spcPct val="90000"/>
+              </a:lnSpc>
+              <a:spcBef>
+                <a:spcPts val="3700"/>
+              </a:spcBef>
+              <a:defRPr sz="4032">
+                <a:solidFill>
+                  <a:schemeClr val="accent1">
+                    <a:lumOff val="13575"/>
+                  </a:schemeClr>
+                </a:solidFill>
+                <a:latin typeface="Courier New"/>
+                <a:ea typeface="Courier New"/>
+                <a:cs typeface="Courier New"/>
+                <a:sym typeface="Courier New"/>
+              </a:defRPr>
+            </a:pPr>
+            <a:r>
+              <a:t>&lt;Form /&gt;</a:t>
+            </a:r>
+          </a:p>
+          <a:p>
+            <a:pPr lvl="2" indent="768095" algn="l" defTabSz="2048204">
+              <a:lnSpc>
+                <a:spcPct val="90000"/>
+              </a:lnSpc>
+              <a:spcBef>
+                <a:spcPts val="3700"/>
+              </a:spcBef>
+              <a:defRPr sz="4032">
+                <a:solidFill>
+                  <a:schemeClr val="accent1">
+                    <a:lumOff val="13575"/>
+                  </a:schemeClr>
+                </a:solidFill>
+                <a:latin typeface="Courier New"/>
+                <a:ea typeface="Courier New"/>
+                <a:cs typeface="Courier New"/>
+                <a:sym typeface="Courier New"/>
+              </a:defRPr>
+            </a:pPr>
+            <a:r>
+              <a:t>&lt;/&gt;</a:t>
+            </a:r>
+          </a:p>
+          <a:p>
+            <a:pPr lvl="1" indent="384047" algn="l" defTabSz="2048204">
+              <a:lnSpc>
+                <a:spcPct val="90000"/>
+              </a:lnSpc>
+              <a:spcBef>
+                <a:spcPts val="3700"/>
+              </a:spcBef>
+              <a:defRPr sz="4032">
+                <a:solidFill>
+                  <a:schemeClr val="accent1">
+                    <a:lumOff val="13575"/>
+                  </a:schemeClr>
+                </a:solidFill>
+                <a:latin typeface="Courier New"/>
+                <a:ea typeface="Courier New"/>
+                <a:cs typeface="Courier New"/>
+                <a:sym typeface="Courier New"/>
+              </a:defRPr>
+            </a:pPr>
+            <a:r>
+              <a:t>)</a:t>
+            </a:r>
+          </a:p>
+          <a:p>
+            <a:pPr algn="l" defTabSz="2048204">
+              <a:lnSpc>
+                <a:spcPct val="90000"/>
+              </a:lnSpc>
+              <a:spcBef>
+                <a:spcPts val="3700"/>
+              </a:spcBef>
+              <a:defRPr sz="4032">
+                <a:solidFill>
+                  <a:schemeClr val="accent1">
+                    <a:lumOff val="13575"/>
+                  </a:schemeClr>
+                </a:solidFill>
+                <a:latin typeface="Courier New"/>
+                <a:ea typeface="Courier New"/>
+                <a:cs typeface="Courier New"/>
+                <a:sym typeface="Courier New"/>
+              </a:defRPr>
+            </a:pPr>
+            <a:r>
+              <a:t>}</a:t>
             </a:r>
           </a:p>
         </p:txBody>
@@ -4361,17 +4897,13 @@
       </p:grpSpPr>
       <p:sp>
         <p:nvSpPr>
-          <p:cNvPr id="161" name="Let’s try managing a form with state!"/>
+          <p:cNvPr id="162" name="Controlled Forms"/>
           <p:cNvSpPr txBox="1"/>
           <p:nvPr>
             <p:ph type="title"/>
           </p:nvPr>
         </p:nvSpPr>
         <p:spPr>
-          <a:xfrm>
-            <a:off x="1206500" y="948957"/>
-            <a:ext cx="21971000" cy="1433164"/>
-          </a:xfrm>
           <a:prstGeom prst="rect">
             <a:avLst/>
           </a:prstGeom>
@@ -4382,24 +4914,20 @@
           <a:p>
             <a:pPr/>
             <a:r>
-              <a:t>Let’s try managing a form with state!</a:t>
+              <a:t>Controlled Forms</a:t>
             </a:r>
           </a:p>
         </p:txBody>
       </p:sp>
       <p:sp>
         <p:nvSpPr>
-          <p:cNvPr id="162" name="export default function Form() {…"/>
+          <p:cNvPr id="163" name="Earlier this week, we learned that a user event is often a sign we have something dynamic and independent that we can hold in state.…"/>
           <p:cNvSpPr txBox="1"/>
           <p:nvPr>
-            <p:ph type="body" sz="half" idx="1"/>
+            <p:ph type="body" idx="1"/>
           </p:nvPr>
         </p:nvSpPr>
         <p:spPr>
-          <a:xfrm>
-            <a:off x="11863022" y="4185411"/>
-            <a:ext cx="11020183" cy="7848446"/>
-          </a:xfrm>
           <a:prstGeom prst="rect">
             <a:avLst/>
           </a:prstGeom>
@@ -4408,419 +4936,48 @@
           <a:bodyPr/>
           <a:lstStyle/>
           <a:p>
-            <a:pPr marL="0" indent="0" defTabSz="2096971">
-              <a:spcBef>
-                <a:spcPts val="3800"/>
-              </a:spcBef>
-              <a:buSzTx/>
-              <a:buNone/>
-              <a:defRPr sz="4128">
-                <a:solidFill>
-                  <a:schemeClr val="accent1">
-                    <a:lumOff val="13575"/>
-                  </a:schemeClr>
-                </a:solidFill>
-                <a:latin typeface="Courier New"/>
-                <a:ea typeface="Courier New"/>
-                <a:cs typeface="Courier New"/>
-                <a:sym typeface="Courier New"/>
-              </a:defRPr>
-            </a:pPr>
-            <a:r>
-              <a:t>export default function Form() {</a:t>
-            </a:r>
-          </a:p>
-          <a:p>
-            <a:pPr lvl="1" marL="0" indent="393192" defTabSz="2096971">
-              <a:spcBef>
-                <a:spcPts val="3800"/>
-              </a:spcBef>
-              <a:buSzTx/>
-              <a:buNone/>
-              <a:defRPr sz="4128">
-                <a:solidFill>
-                  <a:schemeClr val="accent1">
-                    <a:lumOff val="13575"/>
-                  </a:schemeClr>
-                </a:solidFill>
-                <a:latin typeface="Courier New"/>
-                <a:ea typeface="Courier New"/>
-                <a:cs typeface="Courier New"/>
-                <a:sym typeface="Courier New"/>
-              </a:defRPr>
-            </a:pPr>
-            <a:r>
-              <a:t>return (</a:t>
-            </a:r>
-          </a:p>
-          <a:p>
-            <a:pPr lvl="2" marL="0" indent="786384" defTabSz="2096971">
-              <a:spcBef>
-                <a:spcPts val="3800"/>
-              </a:spcBef>
-              <a:buSzTx/>
-              <a:buNone/>
-              <a:defRPr sz="4128">
-                <a:solidFill>
-                  <a:schemeClr val="accent3">
-                    <a:hueOff val="-385756"/>
-                    <a:satOff val="-32155"/>
-                    <a:lumOff val="17967"/>
-                  </a:schemeClr>
-                </a:solidFill>
-                <a:latin typeface="Courier New"/>
-                <a:ea typeface="Courier New"/>
-                <a:cs typeface="Courier New"/>
-                <a:sym typeface="Courier New"/>
-              </a:defRPr>
-            </a:pPr>
-            <a:r>
-              <a:t>&lt;form&gt;</a:t>
-            </a:r>
-          </a:p>
-          <a:p>
-            <a:pPr lvl="3" marL="0" indent="1179576" defTabSz="2096971">
-              <a:spcBef>
-                <a:spcPts val="3800"/>
-              </a:spcBef>
-              <a:buSzTx/>
-              <a:buNone/>
-              <a:defRPr sz="4128">
-                <a:solidFill>
-                  <a:schemeClr val="accent3">
-                    <a:hueOff val="-385756"/>
-                    <a:satOff val="-32155"/>
-                    <a:lumOff val="17967"/>
-                  </a:schemeClr>
-                </a:solidFill>
-                <a:latin typeface="Courier New"/>
-                <a:ea typeface="Courier New"/>
-                <a:cs typeface="Courier New"/>
-                <a:sym typeface="Courier New"/>
-              </a:defRPr>
-            </a:pPr>
-            <a:r>
-              <a:t>&lt;label&gt;Name&lt;input /&gt;&lt;/label&gt;</a:t>
-            </a:r>
-          </a:p>
-          <a:p>
-            <a:pPr lvl="3" marL="0" indent="1179576" defTabSz="2096971">
-              <a:spcBef>
-                <a:spcPts val="3800"/>
-              </a:spcBef>
-              <a:buSzTx/>
-              <a:buNone/>
-              <a:defRPr sz="4128">
-                <a:solidFill>
-                  <a:schemeClr val="accent3">
-                    <a:hueOff val="-385756"/>
-                    <a:satOff val="-32155"/>
-                    <a:lumOff val="17967"/>
-                  </a:schemeClr>
-                </a:solidFill>
-                <a:latin typeface="Courier New"/>
-                <a:ea typeface="Courier New"/>
-                <a:cs typeface="Courier New"/>
-                <a:sym typeface="Courier New"/>
-              </a:defRPr>
-            </a:pPr>
-            <a:r>
-              <a:t>&lt;input type=“submit” /&gt;</a:t>
-            </a:r>
-          </a:p>
-          <a:p>
-            <a:pPr lvl="2" marL="0" indent="786384" defTabSz="2096971">
-              <a:spcBef>
-                <a:spcPts val="3800"/>
-              </a:spcBef>
-              <a:buSzTx/>
-              <a:buNone/>
-              <a:defRPr sz="4128">
-                <a:solidFill>
-                  <a:schemeClr val="accent3">
-                    <a:hueOff val="-385756"/>
-                    <a:satOff val="-32155"/>
-                    <a:lumOff val="17967"/>
-                  </a:schemeClr>
-                </a:solidFill>
-                <a:latin typeface="Courier New"/>
-                <a:ea typeface="Courier New"/>
-                <a:cs typeface="Courier New"/>
-                <a:sym typeface="Courier New"/>
-              </a:defRPr>
-            </a:pPr>
-            <a:r>
-              <a:t>&lt;form&gt;</a:t>
-            </a:r>
-          </a:p>
-          <a:p>
-            <a:pPr lvl="1" marL="0" indent="393192" defTabSz="2096971">
-              <a:spcBef>
-                <a:spcPts val="3800"/>
-              </a:spcBef>
-              <a:buSzTx/>
-              <a:buNone/>
-              <a:defRPr sz="4128">
-                <a:solidFill>
-                  <a:schemeClr val="accent1">
-                    <a:lumOff val="13575"/>
-                  </a:schemeClr>
-                </a:solidFill>
-                <a:latin typeface="Courier New"/>
-                <a:ea typeface="Courier New"/>
-                <a:cs typeface="Courier New"/>
-                <a:sym typeface="Courier New"/>
-              </a:defRPr>
-            </a:pPr>
-            <a:r>
-              <a:t>)</a:t>
-            </a:r>
-          </a:p>
-          <a:p>
-            <a:pPr marL="0" indent="0" defTabSz="2096971">
-              <a:spcBef>
-                <a:spcPts val="3800"/>
-              </a:spcBef>
-              <a:buSzTx/>
-              <a:buNone/>
-              <a:defRPr sz="4128">
-                <a:solidFill>
-                  <a:schemeClr val="accent1">
-                    <a:lumOff val="13575"/>
-                  </a:schemeClr>
-                </a:solidFill>
-                <a:latin typeface="Courier New"/>
-                <a:ea typeface="Courier New"/>
-                <a:cs typeface="Courier New"/>
-                <a:sym typeface="Courier New"/>
-              </a:defRPr>
-            </a:pPr>
-            <a:r>
-              <a:t>}</a:t>
-            </a:r>
-          </a:p>
-        </p:txBody>
-      </p:sp>
-      <p:sp>
-        <p:nvSpPr>
-          <p:cNvPr id="163" name="export default function App() {…"/>
-          <p:cNvSpPr txBox="1"/>
-          <p:nvPr/>
-        </p:nvSpPr>
-        <p:spPr>
-          <a:xfrm>
-            <a:off x="1206500" y="4248504"/>
-            <a:ext cx="11020183" cy="7848446"/>
-          </a:xfrm>
-          <a:prstGeom prst="rect">
-            <a:avLst/>
-          </a:prstGeom>
-          <a:ln w="12700">
-            <a:miter lim="400000"/>
-          </a:ln>
-          <a:extLst>
-            <a:ext uri="{C572A759-6A51-4108-AA02-DFA0A04FC94B}">
-              <ma14:wrappingTextBoxFlag xmlns:ma14="http://schemas.microsoft.com/office/mac/drawingml/2011/main" val="1"/>
-            </a:ext>
-          </a:extLst>
-        </p:spPr>
-        <p:txBody>
-          <a:bodyPr lIns="50800" tIns="50800" rIns="50800" bIns="50800">
-            <a:normAutofit fontScale="100000" lnSpcReduction="0"/>
-          </a:bodyPr>
-          <a:lstStyle/>
-          <a:p>
-            <a:pPr algn="l" defTabSz="2048204">
-              <a:lnSpc>
-                <a:spcPct val="90000"/>
-              </a:lnSpc>
-              <a:spcBef>
-                <a:spcPts val="3700"/>
-              </a:spcBef>
-              <a:defRPr sz="4032">
-                <a:solidFill>
-                  <a:schemeClr val="accent1">
-                    <a:lumOff val="13575"/>
-                  </a:schemeClr>
-                </a:solidFill>
-                <a:latin typeface="Courier New"/>
-                <a:ea typeface="Courier New"/>
-                <a:cs typeface="Courier New"/>
-                <a:sym typeface="Courier New"/>
-              </a:defRPr>
-            </a:pPr>
-            <a:r>
-              <a:t>export default function App() {</a:t>
-            </a:r>
-          </a:p>
-          <a:p>
-            <a:pPr lvl="1" indent="384047" algn="l" defTabSz="2048204">
-              <a:lnSpc>
-                <a:spcPct val="90000"/>
-              </a:lnSpc>
-              <a:spcBef>
-                <a:spcPts val="3700"/>
-              </a:spcBef>
-              <a:defRPr sz="4032">
-                <a:solidFill>
-                  <a:schemeClr val="accent1">
-                    <a:lumOff val="13575"/>
-                  </a:schemeClr>
-                </a:solidFill>
-                <a:latin typeface="Courier New"/>
-                <a:ea typeface="Courier New"/>
-                <a:cs typeface="Courier New"/>
-                <a:sym typeface="Courier New"/>
-              </a:defRPr>
-            </a:pPr>
-            <a:r>
-              <a:t>return (</a:t>
-            </a:r>
-          </a:p>
-          <a:p>
-            <a:pPr lvl="2" indent="768095" algn="l" defTabSz="2048204">
-              <a:lnSpc>
-                <a:spcPct val="90000"/>
-              </a:lnSpc>
-              <a:spcBef>
-                <a:spcPts val="3700"/>
-              </a:spcBef>
-              <a:defRPr sz="4032">
-                <a:solidFill>
-                  <a:schemeClr val="accent1">
-                    <a:lumOff val="13575"/>
-                  </a:schemeClr>
-                </a:solidFill>
-                <a:latin typeface="Courier New"/>
-                <a:ea typeface="Courier New"/>
-                <a:cs typeface="Courier New"/>
-                <a:sym typeface="Courier New"/>
-              </a:defRPr>
-            </a:pPr>
-            <a:r>
-              <a:t>&lt;&gt;</a:t>
-            </a:r>
-          </a:p>
-          <a:p>
-            <a:pPr lvl="3" indent="1152143" algn="l" defTabSz="2048204">
-              <a:lnSpc>
-                <a:spcPct val="90000"/>
-              </a:lnSpc>
-              <a:spcBef>
-                <a:spcPts val="3700"/>
-              </a:spcBef>
-              <a:defRPr sz="4032">
-                <a:solidFill>
-                  <a:schemeClr val="accent3">
-                    <a:hueOff val="-385756"/>
-                    <a:satOff val="-32155"/>
-                    <a:lumOff val="17967"/>
-                  </a:schemeClr>
-                </a:solidFill>
-                <a:latin typeface="Courier New"/>
-                <a:ea typeface="Courier New"/>
-                <a:cs typeface="Courier New"/>
-                <a:sym typeface="Courier New"/>
-              </a:defRPr>
-            </a:pPr>
-            <a:r>
-              <a:t>&lt;h1&gt;Fill this out, please!&lt;/h1&gt;</a:t>
-            </a:r>
-          </a:p>
-          <a:p>
-            <a:pPr lvl="3" indent="1152143" algn="l" defTabSz="2048204">
-              <a:lnSpc>
-                <a:spcPct val="90000"/>
-              </a:lnSpc>
-              <a:spcBef>
-                <a:spcPts val="3700"/>
-              </a:spcBef>
-              <a:defRPr sz="4032">
-                <a:solidFill>
-                  <a:schemeClr val="accent1">
-                    <a:lumOff val="13575"/>
-                  </a:schemeClr>
-                </a:solidFill>
-                <a:latin typeface="Courier New"/>
-                <a:ea typeface="Courier New"/>
-                <a:cs typeface="Courier New"/>
-                <a:sym typeface="Courier New"/>
-              </a:defRPr>
-            </a:pPr>
-            <a:r>
-              <a:t>&lt;Form /&gt;</a:t>
-            </a:r>
-          </a:p>
-          <a:p>
-            <a:pPr lvl="2" indent="768095" algn="l" defTabSz="2048204">
-              <a:lnSpc>
-                <a:spcPct val="90000"/>
-              </a:lnSpc>
-              <a:spcBef>
-                <a:spcPts val="3700"/>
-              </a:spcBef>
-              <a:defRPr sz="4032">
-                <a:solidFill>
-                  <a:schemeClr val="accent1">
-                    <a:lumOff val="13575"/>
-                  </a:schemeClr>
-                </a:solidFill>
-                <a:latin typeface="Courier New"/>
-                <a:ea typeface="Courier New"/>
-                <a:cs typeface="Courier New"/>
-                <a:sym typeface="Courier New"/>
-              </a:defRPr>
-            </a:pPr>
-            <a:r>
-              <a:t>&lt;/&gt;</a:t>
-            </a:r>
-          </a:p>
-          <a:p>
-            <a:pPr lvl="1" indent="384047" algn="l" defTabSz="2048204">
-              <a:lnSpc>
-                <a:spcPct val="90000"/>
-              </a:lnSpc>
-              <a:spcBef>
-                <a:spcPts val="3700"/>
-              </a:spcBef>
-              <a:defRPr sz="4032">
-                <a:solidFill>
-                  <a:schemeClr val="accent1">
-                    <a:lumOff val="13575"/>
-                  </a:schemeClr>
-                </a:solidFill>
-                <a:latin typeface="Courier New"/>
-                <a:ea typeface="Courier New"/>
-                <a:cs typeface="Courier New"/>
-                <a:sym typeface="Courier New"/>
-              </a:defRPr>
-            </a:pPr>
-            <a:r>
-              <a:t>)</a:t>
-            </a:r>
-          </a:p>
-          <a:p>
-            <a:pPr algn="l" defTabSz="2048204">
-              <a:lnSpc>
-                <a:spcPct val="90000"/>
-              </a:lnSpc>
-              <a:spcBef>
-                <a:spcPts val="3700"/>
-              </a:spcBef>
-              <a:defRPr sz="4032">
-                <a:solidFill>
-                  <a:schemeClr val="accent1">
-                    <a:lumOff val="13575"/>
-                  </a:schemeClr>
-                </a:solidFill>
-                <a:latin typeface="Courier New"/>
-                <a:ea typeface="Courier New"/>
-                <a:cs typeface="Courier New"/>
-                <a:sym typeface="Courier New"/>
-              </a:defRPr>
-            </a:pPr>
-            <a:r>
-              <a:t>}</a:t>
+            <a:pPr/>
+            <a:r>
+              <a:t>Earlier this week, we learned that a </a:t>
+            </a:r>
+            <a:r>
+              <a:rPr u="sng"/>
+              <a:t>user event</a:t>
+            </a:r>
+            <a:r>
+              <a:t> is often a sign we have something </a:t>
+            </a:r>
+            <a:r>
+              <a:rPr u="sng"/>
+              <a:t>dynamic</a:t>
+            </a:r>
+            <a:r>
+              <a:t> and </a:t>
+            </a:r>
+            <a:r>
+              <a:rPr u="sng"/>
+              <a:t>independent</a:t>
+            </a:r>
+            <a:r>
+              <a:t> that we can hold in state.</a:t>
+            </a:r>
+          </a:p>
+          <a:p>
+            <a:pPr/>
+            <a:r>
+              <a:t>When a user fills out a form, they fire countless events.</a:t>
+            </a:r>
+          </a:p>
+          <a:p>
+            <a:pPr/>
+            <a:r>
+              <a:t>Most of these events affect a form’s input values.</a:t>
+            </a:r>
+          </a:p>
+          <a:p>
+            <a:pPr/>
+            <a:r>
+              <a:t>Ergo, it makes sense to hold and update input values in state!</a:t>
             </a:r>
           </a:p>
         </p:txBody>
@@ -4856,13 +5013,13 @@
           <p:cNvPr id="165" name="export default function Form() {…"/>
           <p:cNvSpPr txBox="1"/>
           <p:nvPr>
-            <p:ph type="body" idx="1"/>
+            <p:ph type="body" sz="half" idx="1"/>
           </p:nvPr>
         </p:nvSpPr>
         <p:spPr>
           <a:xfrm>
-            <a:off x="1246103" y="433782"/>
-            <a:ext cx="21971001" cy="12848436"/>
+            <a:off x="12010170" y="2902230"/>
+            <a:ext cx="11020183" cy="7848446"/>
           </a:xfrm>
           <a:prstGeom prst="rect">
             <a:avLst/>
@@ -4872,13 +5029,13 @@
           <a:bodyPr/>
           <a:lstStyle/>
           <a:p>
-            <a:pPr marL="0" indent="0" defTabSz="2243271">
-              <a:spcBef>
-                <a:spcPts val="4100"/>
+            <a:pPr marL="0" indent="0" defTabSz="2096971">
+              <a:spcBef>
+                <a:spcPts val="3800"/>
               </a:spcBef>
               <a:buSzTx/>
               <a:buNone/>
-              <a:defRPr sz="4416">
+              <a:defRPr sz="4128">
                 <a:solidFill>
                   <a:schemeClr val="accent1">
                     <a:lumOff val="13575"/>
@@ -4895,13 +5052,13 @@
             </a:r>
           </a:p>
           <a:p>
-            <a:pPr lvl="1" marL="0" indent="420623" defTabSz="2243271">
-              <a:spcBef>
-                <a:spcPts val="4100"/>
+            <a:pPr lvl="1" marL="0" indent="393192" defTabSz="2096971">
+              <a:spcBef>
+                <a:spcPts val="3800"/>
               </a:spcBef>
               <a:buSzTx/>
               <a:buNone/>
-              <a:defRPr b="1" sz="4416">
+              <a:defRPr sz="4128">
                 <a:solidFill>
                   <a:schemeClr val="accent1">
                     <a:lumOff val="13575"/>
@@ -4914,63 +5071,17 @@
               </a:defRPr>
             </a:pPr>
             <a:r>
-              <a:t>const [name, setName] = useState(“”);</a:t>
-            </a:r>
-          </a:p>
-          <a:p>
-            <a:pPr lvl="1" marL="0" indent="420623" defTabSz="2243271">
-              <a:spcBef>
-                <a:spcPts val="4100"/>
+              <a:t>return (</a:t>
+            </a:r>
+          </a:p>
+          <a:p>
+            <a:pPr lvl="2" marL="0" indent="786384" defTabSz="2096971">
+              <a:spcBef>
+                <a:spcPts val="3800"/>
               </a:spcBef>
               <a:buSzTx/>
               <a:buNone/>
-              <a:defRPr b="1" sz="4416">
-                <a:solidFill>
-                  <a:schemeClr val="accent1">
-                    <a:lumOff val="13575"/>
-                  </a:schemeClr>
-                </a:solidFill>
-                <a:latin typeface="Courier New"/>
-                <a:ea typeface="Courier New"/>
-                <a:cs typeface="Courier New"/>
-                <a:sym typeface="Courier New"/>
-              </a:defRPr>
-            </a:pPr>
-            <a:r>
-              <a:t>function handleChange(event) console.log(event.target.value)</a:t>
-            </a:r>
-          </a:p>
-          <a:p>
-            <a:pPr lvl="1" marL="0" indent="420623" defTabSz="2243271">
-              <a:spcBef>
-                <a:spcPts val="4100"/>
-              </a:spcBef>
-              <a:buSzTx/>
-              <a:buNone/>
-              <a:defRPr sz="4416">
-                <a:solidFill>
-                  <a:schemeClr val="accent1">
-                    <a:lumOff val="13575"/>
-                  </a:schemeClr>
-                </a:solidFill>
-                <a:latin typeface="Courier New"/>
-                <a:ea typeface="Courier New"/>
-                <a:cs typeface="Courier New"/>
-                <a:sym typeface="Courier New"/>
-              </a:defRPr>
-            </a:pPr>
-            <a:r>
-              <a:t>return (</a:t>
-            </a:r>
-          </a:p>
-          <a:p>
-            <a:pPr lvl="2" marL="0" indent="841247" defTabSz="2243271">
-              <a:spcBef>
-                <a:spcPts val="4100"/>
-              </a:spcBef>
-              <a:buSzTx/>
-              <a:buNone/>
-              <a:defRPr sz="4416">
+              <a:defRPr sz="4128">
                 <a:solidFill>
                   <a:schemeClr val="accent3">
                     <a:hueOff val="-385756"/>
@@ -4989,13 +5100,13 @@
             </a:r>
           </a:p>
           <a:p>
-            <a:pPr lvl="3" marL="0" indent="1261872" defTabSz="2243271">
-              <a:spcBef>
-                <a:spcPts val="4100"/>
+            <a:pPr lvl="3" marL="0" indent="1179576" defTabSz="2096971">
+              <a:spcBef>
+                <a:spcPts val="3800"/>
               </a:spcBef>
               <a:buSzTx/>
               <a:buNone/>
-              <a:defRPr sz="4416">
+              <a:defRPr sz="4128">
                 <a:solidFill>
                   <a:schemeClr val="accent3">
                     <a:hueOff val="-385756"/>
@@ -5010,17 +5121,17 @@
               </a:defRPr>
             </a:pPr>
             <a:r>
-              <a:t>&lt;label&gt;Name</a:t>
-            </a:r>
-          </a:p>
-          <a:p>
-            <a:pPr lvl="4" marL="0" indent="1682495" defTabSz="2243271">
-              <a:spcBef>
-                <a:spcPts val="4100"/>
+              <a:t>&lt;label&gt;Name&lt;input /&gt;&lt;/label&gt;</a:t>
+            </a:r>
+          </a:p>
+          <a:p>
+            <a:pPr lvl="3" marL="0" indent="1179576" defTabSz="2096971">
+              <a:spcBef>
+                <a:spcPts val="3800"/>
               </a:spcBef>
               <a:buSzTx/>
               <a:buNone/>
-              <a:defRPr sz="4416">
+              <a:defRPr sz="4128">
                 <a:solidFill>
                   <a:schemeClr val="accent3">
                     <a:hueOff val="-385756"/>
@@ -5035,50 +5146,17 @@
               </a:defRPr>
             </a:pPr>
             <a:r>
-              <a:t>&lt;input </a:t>
-            </a:r>
-            <a:r>
-              <a:rPr b="1">
-                <a:solidFill>
-                  <a:schemeClr val="accent1">
-                    <a:lumOff val="13575"/>
-                  </a:schemeClr>
-                </a:solidFill>
-              </a:rPr>
-              <a:t>value={name}</a:t>
-            </a:r>
-            <a:r>
-              <a:rPr>
-                <a:solidFill>
-                  <a:schemeClr val="accent1">
-                    <a:lumOff val="13575"/>
-                  </a:schemeClr>
-                </a:solidFill>
-              </a:rPr>
-              <a:t> </a:t>
-            </a:r>
-            <a:r>
-              <a:rPr b="1">
-                <a:solidFill>
-                  <a:schemeClr val="accent1">
-                    <a:lumOff val="13575"/>
-                  </a:schemeClr>
-                </a:solidFill>
-              </a:rPr>
-              <a:t>onChange={handleChange}</a:t>
-            </a:r>
-            <a:r>
-              <a:t> /&gt;</a:t>
-            </a:r>
-          </a:p>
-          <a:p>
-            <a:pPr lvl="3" marL="0" indent="1261872" defTabSz="2243271">
-              <a:spcBef>
-                <a:spcPts val="4100"/>
+              <a:t>&lt;input type=“submit” /&gt;</a:t>
+            </a:r>
+          </a:p>
+          <a:p>
+            <a:pPr lvl="2" marL="0" indent="786384" defTabSz="2096971">
+              <a:spcBef>
+                <a:spcPts val="3800"/>
               </a:spcBef>
               <a:buSzTx/>
               <a:buNone/>
-              <a:defRPr sz="4416">
+              <a:defRPr sz="4128">
                 <a:solidFill>
                   <a:schemeClr val="accent3">
                     <a:hueOff val="-385756"/>
@@ -5093,17 +5171,166 @@
               </a:defRPr>
             </a:pPr>
             <a:r>
-              <a:t>&lt;/label&gt;</a:t>
-            </a:r>
-          </a:p>
-          <a:p>
-            <a:pPr lvl="3" marL="0" indent="1261872" defTabSz="2243271">
-              <a:spcBef>
-                <a:spcPts val="4100"/>
+              <a:t>&lt;form&gt;</a:t>
+            </a:r>
+          </a:p>
+          <a:p>
+            <a:pPr lvl="1" marL="0" indent="393192" defTabSz="2096971">
+              <a:spcBef>
+                <a:spcPts val="3800"/>
               </a:spcBef>
               <a:buSzTx/>
               <a:buNone/>
-              <a:defRPr sz="4416">
+              <a:defRPr sz="4128">
+                <a:solidFill>
+                  <a:schemeClr val="accent1">
+                    <a:lumOff val="13575"/>
+                  </a:schemeClr>
+                </a:solidFill>
+                <a:latin typeface="Courier New"/>
+                <a:ea typeface="Courier New"/>
+                <a:cs typeface="Courier New"/>
+                <a:sym typeface="Courier New"/>
+              </a:defRPr>
+            </a:pPr>
+            <a:r>
+              <a:t>)</a:t>
+            </a:r>
+          </a:p>
+          <a:p>
+            <a:pPr marL="0" indent="0" defTabSz="2096971">
+              <a:spcBef>
+                <a:spcPts val="3800"/>
+              </a:spcBef>
+              <a:buSzTx/>
+              <a:buNone/>
+              <a:defRPr sz="4128">
+                <a:solidFill>
+                  <a:schemeClr val="accent1">
+                    <a:lumOff val="13575"/>
+                  </a:schemeClr>
+                </a:solidFill>
+                <a:latin typeface="Courier New"/>
+                <a:ea typeface="Courier New"/>
+                <a:cs typeface="Courier New"/>
+                <a:sym typeface="Courier New"/>
+              </a:defRPr>
+            </a:pPr>
+            <a:r>
+              <a:t>}</a:t>
+            </a:r>
+          </a:p>
+        </p:txBody>
+      </p:sp>
+      <p:sp>
+        <p:nvSpPr>
+          <p:cNvPr id="166" name="export default function App() {…"/>
+          <p:cNvSpPr txBox="1"/>
+          <p:nvPr/>
+        </p:nvSpPr>
+        <p:spPr>
+          <a:xfrm>
+            <a:off x="1353647" y="2965324"/>
+            <a:ext cx="11020183" cy="7848446"/>
+          </a:xfrm>
+          <a:prstGeom prst="rect">
+            <a:avLst/>
+          </a:prstGeom>
+          <a:ln w="12700">
+            <a:miter lim="400000"/>
+          </a:ln>
+          <a:extLst>
+            <a:ext uri="{C572A759-6A51-4108-AA02-DFA0A04FC94B}">
+              <ma14:wrappingTextBoxFlag xmlns:ma14="http://schemas.microsoft.com/office/mac/drawingml/2011/main" val="1"/>
+            </a:ext>
+          </a:extLst>
+        </p:spPr>
+        <p:txBody>
+          <a:bodyPr lIns="50800" tIns="50800" rIns="50800" bIns="50800">
+            <a:normAutofit fontScale="100000" lnSpcReduction="0"/>
+          </a:bodyPr>
+          <a:lstStyle/>
+          <a:p>
+            <a:pPr algn="l" defTabSz="2048204">
+              <a:lnSpc>
+                <a:spcPct val="90000"/>
+              </a:lnSpc>
+              <a:spcBef>
+                <a:spcPts val="3700"/>
+              </a:spcBef>
+              <a:defRPr sz="4032">
+                <a:solidFill>
+                  <a:schemeClr val="accent1">
+                    <a:lumOff val="13575"/>
+                  </a:schemeClr>
+                </a:solidFill>
+                <a:latin typeface="Courier New"/>
+                <a:ea typeface="Courier New"/>
+                <a:cs typeface="Courier New"/>
+                <a:sym typeface="Courier New"/>
+              </a:defRPr>
+            </a:pPr>
+            <a:r>
+              <a:t>export default function App() {</a:t>
+            </a:r>
+          </a:p>
+          <a:p>
+            <a:pPr lvl="1" indent="384047" algn="l" defTabSz="2048204">
+              <a:lnSpc>
+                <a:spcPct val="90000"/>
+              </a:lnSpc>
+              <a:spcBef>
+                <a:spcPts val="3700"/>
+              </a:spcBef>
+              <a:defRPr sz="4032">
+                <a:solidFill>
+                  <a:schemeClr val="accent1">
+                    <a:lumOff val="13575"/>
+                  </a:schemeClr>
+                </a:solidFill>
+                <a:latin typeface="Courier New"/>
+                <a:ea typeface="Courier New"/>
+                <a:cs typeface="Courier New"/>
+                <a:sym typeface="Courier New"/>
+              </a:defRPr>
+            </a:pPr>
+            <a:r>
+              <a:t>return (</a:t>
+            </a:r>
+          </a:p>
+          <a:p>
+            <a:pPr lvl="2" indent="768095" algn="l" defTabSz="2048204">
+              <a:lnSpc>
+                <a:spcPct val="90000"/>
+              </a:lnSpc>
+              <a:spcBef>
+                <a:spcPts val="3700"/>
+              </a:spcBef>
+              <a:defRPr sz="4032">
+                <a:solidFill>
+                  <a:schemeClr val="accent1">
+                    <a:lumOff val="13575"/>
+                  </a:schemeClr>
+                </a:solidFill>
+                <a:latin typeface="Courier New"/>
+                <a:ea typeface="Courier New"/>
+                <a:cs typeface="Courier New"/>
+                <a:sym typeface="Courier New"/>
+              </a:defRPr>
+            </a:pPr>
+            <a:r>
+              <a:t>&lt;&gt;</a:t>
+            </a:r>
+          </a:p>
+          <a:p>
+            <a:pPr lvl="3" indent="1152143" algn="l" defTabSz="2048204">
+              <a:lnSpc>
+                <a:spcPct val="90000"/>
+              </a:lnSpc>
+              <a:spcBef>
+                <a:spcPts val="3700"/>
+              </a:spcBef>
+              <a:defRPr sz="4032">
                 <a:solidFill>
                   <a:schemeClr val="accent3">
                     <a:hueOff val="-385756"/>
@@ -5118,42 +5345,18 @@
               </a:defRPr>
             </a:pPr>
             <a:r>
-              <a:t>&lt;input type=“submit” /&gt;</a:t>
-            </a:r>
-          </a:p>
-          <a:p>
-            <a:pPr lvl="2" marL="0" indent="841247" defTabSz="2243271">
-              <a:spcBef>
-                <a:spcPts val="4100"/>
-              </a:spcBef>
-              <a:buSzTx/>
-              <a:buNone/>
-              <a:defRPr sz="4416">
-                <a:solidFill>
-                  <a:schemeClr val="accent3">
-                    <a:hueOff val="-385756"/>
-                    <a:satOff val="-32155"/>
-                    <a:lumOff val="17967"/>
-                  </a:schemeClr>
-                </a:solidFill>
-                <a:latin typeface="Courier New"/>
-                <a:ea typeface="Courier New"/>
-                <a:cs typeface="Courier New"/>
-                <a:sym typeface="Courier New"/>
-              </a:defRPr>
-            </a:pPr>
-            <a:r>
-              <a:t>&lt;form&gt;</a:t>
-            </a:r>
-          </a:p>
-          <a:p>
-            <a:pPr lvl="1" marL="0" indent="420623" defTabSz="2243271">
-              <a:spcBef>
-                <a:spcPts val="4100"/>
-              </a:spcBef>
-              <a:buSzTx/>
-              <a:buNone/>
-              <a:defRPr sz="4416">
+              <a:t>&lt;h1&gt;Fill this out, please!&lt;/h1&gt;</a:t>
+            </a:r>
+          </a:p>
+          <a:p>
+            <a:pPr lvl="3" indent="1152143" algn="l" defTabSz="2048204">
+              <a:lnSpc>
+                <a:spcPct val="90000"/>
+              </a:lnSpc>
+              <a:spcBef>
+                <a:spcPts val="3700"/>
+              </a:spcBef>
+              <a:defRPr sz="4032">
                 <a:solidFill>
                   <a:schemeClr val="accent1">
                     <a:lumOff val="13575"/>
@@ -5166,17 +5369,66 @@
               </a:defRPr>
             </a:pPr>
             <a:r>
+              <a:t>&lt;Form /&gt;</a:t>
+            </a:r>
+          </a:p>
+          <a:p>
+            <a:pPr lvl="2" indent="768095" algn="l" defTabSz="2048204">
+              <a:lnSpc>
+                <a:spcPct val="90000"/>
+              </a:lnSpc>
+              <a:spcBef>
+                <a:spcPts val="3700"/>
+              </a:spcBef>
+              <a:defRPr sz="4032">
+                <a:solidFill>
+                  <a:schemeClr val="accent1">
+                    <a:lumOff val="13575"/>
+                  </a:schemeClr>
+                </a:solidFill>
+                <a:latin typeface="Courier New"/>
+                <a:ea typeface="Courier New"/>
+                <a:cs typeface="Courier New"/>
+                <a:sym typeface="Courier New"/>
+              </a:defRPr>
+            </a:pPr>
+            <a:r>
+              <a:t>&lt;/&gt;</a:t>
+            </a:r>
+          </a:p>
+          <a:p>
+            <a:pPr lvl="1" indent="384047" algn="l" defTabSz="2048204">
+              <a:lnSpc>
+                <a:spcPct val="90000"/>
+              </a:lnSpc>
+              <a:spcBef>
+                <a:spcPts val="3700"/>
+              </a:spcBef>
+              <a:defRPr sz="4032">
+                <a:solidFill>
+                  <a:schemeClr val="accent1">
+                    <a:lumOff val="13575"/>
+                  </a:schemeClr>
+                </a:solidFill>
+                <a:latin typeface="Courier New"/>
+                <a:ea typeface="Courier New"/>
+                <a:cs typeface="Courier New"/>
+                <a:sym typeface="Courier New"/>
+              </a:defRPr>
+            </a:pPr>
+            <a:r>
               <a:t>)</a:t>
             </a:r>
           </a:p>
           <a:p>
-            <a:pPr marL="0" indent="0" defTabSz="2243271">
-              <a:spcBef>
-                <a:spcPts val="4100"/>
-              </a:spcBef>
-              <a:buSzTx/>
-              <a:buNone/>
-              <a:defRPr sz="4416">
+            <a:pPr algn="l" defTabSz="2048204">
+              <a:lnSpc>
+                <a:spcPct val="90000"/>
+              </a:lnSpc>
+              <a:spcBef>
+                <a:spcPts val="3700"/>
+              </a:spcBef>
+              <a:defRPr sz="4032">
                 <a:solidFill>
                   <a:schemeClr val="accent1">
                     <a:lumOff val="13575"/>
@@ -5222,13 +5474,17 @@
       </p:grpSpPr>
       <p:sp>
         <p:nvSpPr>
-          <p:cNvPr id="167" name="What’s your favorite movie?"/>
+          <p:cNvPr id="168" name="export default function Form() {…"/>
           <p:cNvSpPr txBox="1"/>
           <p:nvPr>
-            <p:ph type="body" sz="half" idx="1"/>
+            <p:ph type="body" idx="1"/>
           </p:nvPr>
         </p:nvSpPr>
         <p:spPr>
+          <a:xfrm>
+            <a:off x="1246103" y="433782"/>
+            <a:ext cx="21971001" cy="12848436"/>
+          </a:xfrm>
           <a:prstGeom prst="rect">
             <a:avLst/>
           </a:prstGeom>
@@ -5237,9 +5493,324 @@
           <a:bodyPr/>
           <a:lstStyle/>
           <a:p>
-            <a:pPr/>
-            <a:r>
-              <a:t>What’s your favorite movie?</a:t>
+            <a:pPr marL="0" indent="0" defTabSz="2243271">
+              <a:spcBef>
+                <a:spcPts val="4100"/>
+              </a:spcBef>
+              <a:buSzTx/>
+              <a:buNone/>
+              <a:defRPr sz="4416">
+                <a:solidFill>
+                  <a:schemeClr val="accent1">
+                    <a:lumOff val="13575"/>
+                  </a:schemeClr>
+                </a:solidFill>
+                <a:latin typeface="Courier New"/>
+                <a:ea typeface="Courier New"/>
+                <a:cs typeface="Courier New"/>
+                <a:sym typeface="Courier New"/>
+              </a:defRPr>
+            </a:pPr>
+            <a:r>
+              <a:t>export default function Form() {</a:t>
+            </a:r>
+          </a:p>
+          <a:p>
+            <a:pPr lvl="1" marL="0" indent="420623" defTabSz="2243271">
+              <a:spcBef>
+                <a:spcPts val="4100"/>
+              </a:spcBef>
+              <a:buSzTx/>
+              <a:buNone/>
+              <a:defRPr b="1" sz="4416">
+                <a:solidFill>
+                  <a:schemeClr val="accent1">
+                    <a:lumOff val="13575"/>
+                  </a:schemeClr>
+                </a:solidFill>
+                <a:latin typeface="Courier New"/>
+                <a:ea typeface="Courier New"/>
+                <a:cs typeface="Courier New"/>
+                <a:sym typeface="Courier New"/>
+              </a:defRPr>
+            </a:pPr>
+            <a:r>
+              <a:t>const [name, setName] = useState(“”);</a:t>
+            </a:r>
+          </a:p>
+          <a:p>
+            <a:pPr lvl="1" marL="0" indent="420623" defTabSz="2243271">
+              <a:spcBef>
+                <a:spcPts val="4100"/>
+              </a:spcBef>
+              <a:buSzTx/>
+              <a:buNone/>
+              <a:defRPr b="1" sz="4416">
+                <a:solidFill>
+                  <a:schemeClr val="accent1">
+                    <a:lumOff val="13575"/>
+                  </a:schemeClr>
+                </a:solidFill>
+                <a:latin typeface="Courier New"/>
+                <a:ea typeface="Courier New"/>
+                <a:cs typeface="Courier New"/>
+                <a:sym typeface="Courier New"/>
+              </a:defRPr>
+            </a:pPr>
+            <a:r>
+              <a:t>function handleChange(event) console.log(event.target.value)</a:t>
+            </a:r>
+          </a:p>
+          <a:p>
+            <a:pPr lvl="1" marL="0" indent="420623" defTabSz="2243271">
+              <a:spcBef>
+                <a:spcPts val="4100"/>
+              </a:spcBef>
+              <a:buSzTx/>
+              <a:buNone/>
+              <a:defRPr sz="4416">
+                <a:solidFill>
+                  <a:schemeClr val="accent1">
+                    <a:lumOff val="13575"/>
+                  </a:schemeClr>
+                </a:solidFill>
+                <a:latin typeface="Courier New"/>
+                <a:ea typeface="Courier New"/>
+                <a:cs typeface="Courier New"/>
+                <a:sym typeface="Courier New"/>
+              </a:defRPr>
+            </a:pPr>
+            <a:r>
+              <a:t>return (</a:t>
+            </a:r>
+          </a:p>
+          <a:p>
+            <a:pPr lvl="2" marL="0" indent="841247" defTabSz="2243271">
+              <a:spcBef>
+                <a:spcPts val="4100"/>
+              </a:spcBef>
+              <a:buSzTx/>
+              <a:buNone/>
+              <a:defRPr sz="4416">
+                <a:solidFill>
+                  <a:schemeClr val="accent3">
+                    <a:hueOff val="-385756"/>
+                    <a:satOff val="-32155"/>
+                    <a:lumOff val="17967"/>
+                  </a:schemeClr>
+                </a:solidFill>
+                <a:latin typeface="Courier New"/>
+                <a:ea typeface="Courier New"/>
+                <a:cs typeface="Courier New"/>
+                <a:sym typeface="Courier New"/>
+              </a:defRPr>
+            </a:pPr>
+            <a:r>
+              <a:t>&lt;form&gt;</a:t>
+            </a:r>
+          </a:p>
+          <a:p>
+            <a:pPr lvl="3" marL="0" indent="1261872" defTabSz="2243271">
+              <a:spcBef>
+                <a:spcPts val="4100"/>
+              </a:spcBef>
+              <a:buSzTx/>
+              <a:buNone/>
+              <a:defRPr sz="4416">
+                <a:solidFill>
+                  <a:schemeClr val="accent3">
+                    <a:hueOff val="-385756"/>
+                    <a:satOff val="-32155"/>
+                    <a:lumOff val="17967"/>
+                  </a:schemeClr>
+                </a:solidFill>
+                <a:latin typeface="Courier New"/>
+                <a:ea typeface="Courier New"/>
+                <a:cs typeface="Courier New"/>
+                <a:sym typeface="Courier New"/>
+              </a:defRPr>
+            </a:pPr>
+            <a:r>
+              <a:t>&lt;label&gt;Name</a:t>
+            </a:r>
+          </a:p>
+          <a:p>
+            <a:pPr lvl="4" marL="0" indent="1682495" defTabSz="2243271">
+              <a:spcBef>
+                <a:spcPts val="4100"/>
+              </a:spcBef>
+              <a:buSzTx/>
+              <a:buNone/>
+              <a:defRPr sz="4416">
+                <a:solidFill>
+                  <a:schemeClr val="accent3">
+                    <a:hueOff val="-385756"/>
+                    <a:satOff val="-32155"/>
+                    <a:lumOff val="17967"/>
+                  </a:schemeClr>
+                </a:solidFill>
+                <a:latin typeface="Courier New"/>
+                <a:ea typeface="Courier New"/>
+                <a:cs typeface="Courier New"/>
+                <a:sym typeface="Courier New"/>
+              </a:defRPr>
+            </a:pPr>
+            <a:r>
+              <a:t>&lt;input </a:t>
+            </a:r>
+            <a:r>
+              <a:rPr b="1">
+                <a:solidFill>
+                  <a:schemeClr val="accent1">
+                    <a:lumOff val="13575"/>
+                  </a:schemeClr>
+                </a:solidFill>
+              </a:rPr>
+              <a:t>value={name}</a:t>
+            </a:r>
+            <a:r>
+              <a:rPr>
+                <a:solidFill>
+                  <a:schemeClr val="accent1">
+                    <a:lumOff val="13575"/>
+                  </a:schemeClr>
+                </a:solidFill>
+              </a:rPr>
+              <a:t> </a:t>
+            </a:r>
+            <a:r>
+              <a:rPr b="1">
+                <a:solidFill>
+                  <a:schemeClr val="accent1">
+                    <a:lumOff val="13575"/>
+                  </a:schemeClr>
+                </a:solidFill>
+              </a:rPr>
+              <a:t>onChange={handleChange}</a:t>
+            </a:r>
+            <a:r>
+              <a:t> /&gt;</a:t>
+            </a:r>
+          </a:p>
+          <a:p>
+            <a:pPr lvl="3" marL="0" indent="1261872" defTabSz="2243271">
+              <a:spcBef>
+                <a:spcPts val="4100"/>
+              </a:spcBef>
+              <a:buSzTx/>
+              <a:buNone/>
+              <a:defRPr sz="4416">
+                <a:solidFill>
+                  <a:schemeClr val="accent3">
+                    <a:hueOff val="-385756"/>
+                    <a:satOff val="-32155"/>
+                    <a:lumOff val="17967"/>
+                  </a:schemeClr>
+                </a:solidFill>
+                <a:latin typeface="Courier New"/>
+                <a:ea typeface="Courier New"/>
+                <a:cs typeface="Courier New"/>
+                <a:sym typeface="Courier New"/>
+              </a:defRPr>
+            </a:pPr>
+            <a:r>
+              <a:t>&lt;/label&gt;</a:t>
+            </a:r>
+          </a:p>
+          <a:p>
+            <a:pPr lvl="3" marL="0" indent="1261872" defTabSz="2243271">
+              <a:spcBef>
+                <a:spcPts val="4100"/>
+              </a:spcBef>
+              <a:buSzTx/>
+              <a:buNone/>
+              <a:defRPr sz="4416">
+                <a:solidFill>
+                  <a:schemeClr val="accent3">
+                    <a:hueOff val="-385756"/>
+                    <a:satOff val="-32155"/>
+                    <a:lumOff val="17967"/>
+                  </a:schemeClr>
+                </a:solidFill>
+                <a:latin typeface="Courier New"/>
+                <a:ea typeface="Courier New"/>
+                <a:cs typeface="Courier New"/>
+                <a:sym typeface="Courier New"/>
+              </a:defRPr>
+            </a:pPr>
+            <a:r>
+              <a:t>&lt;input type=“submit” /&gt;</a:t>
+            </a:r>
+          </a:p>
+          <a:p>
+            <a:pPr lvl="2" marL="0" indent="841247" defTabSz="2243271">
+              <a:spcBef>
+                <a:spcPts val="4100"/>
+              </a:spcBef>
+              <a:buSzTx/>
+              <a:buNone/>
+              <a:defRPr sz="4416">
+                <a:solidFill>
+                  <a:schemeClr val="accent3">
+                    <a:hueOff val="-385756"/>
+                    <a:satOff val="-32155"/>
+                    <a:lumOff val="17967"/>
+                  </a:schemeClr>
+                </a:solidFill>
+                <a:latin typeface="Courier New"/>
+                <a:ea typeface="Courier New"/>
+                <a:cs typeface="Courier New"/>
+                <a:sym typeface="Courier New"/>
+              </a:defRPr>
+            </a:pPr>
+            <a:r>
+              <a:t>&lt;form&gt;</a:t>
+            </a:r>
+          </a:p>
+          <a:p>
+            <a:pPr lvl="1" marL="0" indent="420623" defTabSz="2243271">
+              <a:spcBef>
+                <a:spcPts val="4100"/>
+              </a:spcBef>
+              <a:buSzTx/>
+              <a:buNone/>
+              <a:defRPr sz="4416">
+                <a:solidFill>
+                  <a:schemeClr val="accent1">
+                    <a:lumOff val="13575"/>
+                  </a:schemeClr>
+                </a:solidFill>
+                <a:latin typeface="Courier New"/>
+                <a:ea typeface="Courier New"/>
+                <a:cs typeface="Courier New"/>
+                <a:sym typeface="Courier New"/>
+              </a:defRPr>
+            </a:pPr>
+            <a:r>
+              <a:t>)</a:t>
+            </a:r>
+          </a:p>
+          <a:p>
+            <a:pPr marL="0" indent="0" defTabSz="2243271">
+              <a:spcBef>
+                <a:spcPts val="4100"/>
+              </a:spcBef>
+              <a:buSzTx/>
+              <a:buNone/>
+              <a:defRPr sz="4416">
+                <a:solidFill>
+                  <a:schemeClr val="accent1">
+                    <a:lumOff val="13575"/>
+                  </a:schemeClr>
+                </a:solidFill>
+                <a:latin typeface="Courier New"/>
+                <a:ea typeface="Courier New"/>
+                <a:cs typeface="Courier New"/>
+                <a:sym typeface="Courier New"/>
+              </a:defRPr>
+            </a:pPr>
+            <a:r>
+              <a:t>}</a:t>
             </a:r>
           </a:p>
         </p:txBody>
@@ -5272,10 +5843,10 @@
       </p:grpSpPr>
       <p:sp>
         <p:nvSpPr>
-          <p:cNvPr id="169" name="(Un)controlled Components"/>
+          <p:cNvPr id="170" name="What’s your favorite movie?"/>
           <p:cNvSpPr txBox="1"/>
           <p:nvPr>
-            <p:ph type="title"/>
+            <p:ph type="body" sz="half" idx="1"/>
           </p:nvPr>
         </p:nvSpPr>
         <p:spPr>
@@ -5289,189 +5860,7 @@
           <a:p>
             <a:pPr/>
             <a:r>
-              <a:t>(Un)controlled Components</a:t>
-            </a:r>
-          </a:p>
-        </p:txBody>
-      </p:sp>
-      <p:sp>
-        <p:nvSpPr>
-          <p:cNvPr id="170" name="An uncontrolled component has state that cannot be altered by its parent.…"/>
-          <p:cNvSpPr txBox="1"/>
-          <p:nvPr>
-            <p:ph type="body" idx="1"/>
-          </p:nvPr>
-        </p:nvSpPr>
-        <p:spPr>
-          <a:prstGeom prst="rect">
-            <a:avLst/>
-          </a:prstGeom>
-        </p:spPr>
-        <p:txBody>
-          <a:bodyPr/>
-          <a:lstStyle/>
-          <a:p>
-            <a:pPr lvl="1" marL="1207008" indent="-603504" defTabSz="2413955">
-              <a:spcBef>
-                <a:spcPts val="4400"/>
-              </a:spcBef>
-              <a:defRPr sz="4752"/>
-            </a:pPr>
-            <a:r>
-              <a:t>An </a:t>
-            </a:r>
-            <a:r>
-              <a:rPr b="1"/>
-              <a:t>uncontrolled component</a:t>
-            </a:r>
-            <a:r>
-              <a:t> has state that cannot be altered by its parent.</a:t>
-            </a:r>
-          </a:p>
-          <a:p>
-            <a:pPr lvl="2" marL="1810511" indent="-603504" defTabSz="2413955">
-              <a:spcBef>
-                <a:spcPts val="4400"/>
-              </a:spcBef>
-              <a:defRPr sz="4752"/>
-            </a:pPr>
-            <a:r>
-              <a:t>In other words, an </a:t>
-            </a:r>
-            <a:r>
-              <a:rPr b="1"/>
-              <a:t>uncontrolled component</a:t>
-            </a:r>
-            <a:r>
-              <a:t> is </a:t>
-            </a:r>
-            <a:r>
-              <a:rPr u="sng"/>
-              <a:t>driven by state</a:t>
-            </a:r>
-            <a:r>
-              <a:t>.</a:t>
-            </a:r>
-          </a:p>
-          <a:p>
-            <a:pPr lvl="1" marL="1207008" indent="-603504" defTabSz="2413955">
-              <a:spcBef>
-                <a:spcPts val="4400"/>
-              </a:spcBef>
-              <a:defRPr sz="4752"/>
-            </a:pPr>
-            <a:r>
-              <a:t>A </a:t>
-            </a:r>
-            <a:r>
-              <a:rPr b="1"/>
-              <a:t>controlled component</a:t>
-            </a:r>
-            <a:r>
-              <a:t> renders something managed by a parent.</a:t>
-            </a:r>
-          </a:p>
-          <a:p>
-            <a:pPr lvl="2" marL="1810511" indent="-603504" defTabSz="2413955">
-              <a:spcBef>
-                <a:spcPts val="4400"/>
-              </a:spcBef>
-              <a:defRPr sz="4752"/>
-            </a:pPr>
-            <a:r>
-              <a:t>In other words, a </a:t>
-            </a:r>
-            <a:r>
-              <a:rPr b="1"/>
-              <a:t>controlled component</a:t>
-            </a:r>
-            <a:r>
-              <a:t> is </a:t>
-            </a:r>
-            <a:r>
-              <a:rPr u="sng"/>
-              <a:t>driven by props</a:t>
-            </a:r>
-            <a:r>
-              <a:t>.</a:t>
-            </a:r>
-          </a:p>
-          <a:p>
-            <a:pPr lvl="1" marL="1207008" indent="-603504" defTabSz="2413955">
-              <a:spcBef>
-                <a:spcPts val="4400"/>
-              </a:spcBef>
-              <a:defRPr sz="4752"/>
-            </a:pPr>
-            <a:r>
-              <a:t>An </a:t>
-            </a:r>
-            <a:r>
-              <a:rPr>
-                <a:latin typeface="Courier New"/>
-                <a:ea typeface="Courier New"/>
-                <a:cs typeface="Courier New"/>
-                <a:sym typeface="Courier New"/>
-              </a:rPr>
-              <a:t>&lt;input&gt;</a:t>
-            </a:r>
-            <a:r>
-              <a:t> element is </a:t>
-            </a:r>
-            <a:r>
-              <a:rPr i="1"/>
-              <a:t>uncontrolled</a:t>
-            </a:r>
-            <a:r>
-              <a:t> when its value isn’t held in state.</a:t>
-            </a:r>
-          </a:p>
-          <a:p>
-            <a:pPr lvl="1" marL="1207008" indent="-603504" defTabSz="2413955">
-              <a:spcBef>
-                <a:spcPts val="4400"/>
-              </a:spcBef>
-              <a:defRPr sz="4752"/>
-            </a:pPr>
-            <a:r>
-              <a:t>An </a:t>
-            </a:r>
-            <a:r>
-              <a:rPr>
-                <a:latin typeface="Courier New"/>
-                <a:ea typeface="Courier New"/>
-                <a:cs typeface="Courier New"/>
-                <a:sym typeface="Courier New"/>
-              </a:rPr>
-              <a:t>&lt;input&gt;</a:t>
-            </a:r>
-            <a:r>
-              <a:t> element is </a:t>
-            </a:r>
-            <a:r>
-              <a:rPr i="1"/>
-              <a:t>controlled</a:t>
-            </a:r>
-            <a:r>
-              <a:t> when its value is held in state.</a:t>
-            </a:r>
-          </a:p>
-          <a:p>
-            <a:pPr lvl="1" marL="1207008" indent="-603504" defTabSz="2413955">
-              <a:spcBef>
-                <a:spcPts val="4400"/>
-              </a:spcBef>
-              <a:defRPr sz="4752"/>
-            </a:pPr>
-            <a:r>
-              <a:t>The act of “controlling” a component is often known as </a:t>
-            </a:r>
-            <a:r>
-              <a:rPr i="1"/>
-              <a:t>lifting state up</a:t>
-            </a:r>
-            <a:r>
-              <a:t>.</a:t>
+              <a:t>What’s your favorite movie?</a:t>
             </a:r>
           </a:p>
         </p:txBody>
@@ -5504,17 +5893,13 @@
       </p:grpSpPr>
       <p:sp>
         <p:nvSpPr>
-          <p:cNvPr id="172" name="export default function Form() {…"/>
+          <p:cNvPr id="172" name="(Un)controlled Components"/>
           <p:cNvSpPr txBox="1"/>
           <p:nvPr>
-            <p:ph type="body" idx="1"/>
+            <p:ph type="title"/>
           </p:nvPr>
         </p:nvSpPr>
         <p:spPr>
-          <a:xfrm>
-            <a:off x="1246103" y="433782"/>
-            <a:ext cx="21971001" cy="12848436"/>
-          </a:xfrm>
           <a:prstGeom prst="rect">
             <a:avLst/>
           </a:prstGeom>
@@ -5523,324 +5908,191 @@
           <a:bodyPr/>
           <a:lstStyle/>
           <a:p>
-            <a:pPr marL="0" indent="0" defTabSz="2243271">
-              <a:spcBef>
-                <a:spcPts val="4100"/>
-              </a:spcBef>
-              <a:buSzTx/>
-              <a:buNone/>
-              <a:defRPr sz="4416">
-                <a:solidFill>
-                  <a:schemeClr val="accent1">
-                    <a:lumOff val="13575"/>
-                  </a:schemeClr>
-                </a:solidFill>
+            <a:pPr/>
+            <a:r>
+              <a:t>(Un)controlled Components</a:t>
+            </a:r>
+          </a:p>
+        </p:txBody>
+      </p:sp>
+      <p:sp>
+        <p:nvSpPr>
+          <p:cNvPr id="173" name="An uncontrolled component has state that cannot be altered by its parent.…"/>
+          <p:cNvSpPr txBox="1"/>
+          <p:nvPr>
+            <p:ph type="body" idx="1"/>
+          </p:nvPr>
+        </p:nvSpPr>
+        <p:spPr>
+          <a:prstGeom prst="rect">
+            <a:avLst/>
+          </a:prstGeom>
+        </p:spPr>
+        <p:txBody>
+          <a:bodyPr/>
+          <a:lstStyle/>
+          <a:p>
+            <a:pPr lvl="1" marL="1207008" indent="-603504" defTabSz="2413955">
+              <a:spcBef>
+                <a:spcPts val="4400"/>
+              </a:spcBef>
+              <a:defRPr sz="4752"/>
+            </a:pPr>
+            <a:r>
+              <a:t>An </a:t>
+            </a:r>
+            <a:r>
+              <a:rPr b="1"/>
+              <a:t>uncontrolled component</a:t>
+            </a:r>
+            <a:r>
+              <a:t> has state that cannot be altered by its parent.</a:t>
+            </a:r>
+          </a:p>
+          <a:p>
+            <a:pPr lvl="2" marL="1810511" indent="-603504" defTabSz="2413955">
+              <a:spcBef>
+                <a:spcPts val="4400"/>
+              </a:spcBef>
+              <a:defRPr sz="4752"/>
+            </a:pPr>
+            <a:r>
+              <a:t>In other words, an </a:t>
+            </a:r>
+            <a:r>
+              <a:rPr b="1"/>
+              <a:t>uncontrolled component</a:t>
+            </a:r>
+            <a:r>
+              <a:t> is </a:t>
+            </a:r>
+            <a:r>
+              <a:rPr u="sng"/>
+              <a:t>driven by state</a:t>
+            </a:r>
+            <a:r>
+              <a:t>.</a:t>
+            </a:r>
+          </a:p>
+          <a:p>
+            <a:pPr lvl="1" marL="1207008" indent="-603504" defTabSz="2413955">
+              <a:spcBef>
+                <a:spcPts val="4400"/>
+              </a:spcBef>
+              <a:defRPr sz="4752"/>
+            </a:pPr>
+            <a:r>
+              <a:t>A </a:t>
+            </a:r>
+            <a:r>
+              <a:rPr b="1"/>
+              <a:t>controlled component</a:t>
+            </a:r>
+            <a:r>
+              <a:t> renders something managed by a parent.</a:t>
+            </a:r>
+          </a:p>
+          <a:p>
+            <a:pPr lvl="2" marL="1810511" indent="-603504" defTabSz="2413955">
+              <a:spcBef>
+                <a:spcPts val="4400"/>
+              </a:spcBef>
+              <a:defRPr sz="4752"/>
+            </a:pPr>
+            <a:r>
+              <a:t>In other words, a </a:t>
+            </a:r>
+            <a:r>
+              <a:rPr b="1"/>
+              <a:t>controlled component</a:t>
+            </a:r>
+            <a:r>
+              <a:t> is </a:t>
+            </a:r>
+            <a:r>
+              <a:rPr u="sng"/>
+              <a:t>driven by props</a:t>
+            </a:r>
+            <a:r>
+              <a:t>.</a:t>
+            </a:r>
+          </a:p>
+          <a:p>
+            <a:pPr lvl="1" marL="1207008" indent="-603504" defTabSz="2413955">
+              <a:spcBef>
+                <a:spcPts val="4400"/>
+              </a:spcBef>
+              <a:defRPr sz="4752"/>
+            </a:pPr>
+            <a:r>
+              <a:t>An </a:t>
+            </a:r>
+            <a:r>
+              <a:rPr>
                 <a:latin typeface="Courier New"/>
                 <a:ea typeface="Courier New"/>
                 <a:cs typeface="Courier New"/>
                 <a:sym typeface="Courier New"/>
-              </a:defRPr>
+              </a:rPr>
+              <a:t>&lt;input&gt;</a:t>
+            </a:r>
+            <a:r>
+              <a:t> element is </a:t>
+            </a:r>
+            <a:r>
+              <a:rPr i="1"/>
+              <a:t>uncontrolled</a:t>
+            </a:r>
+            <a:r>
+              <a:t> when its value isn’t held in state.</a:t>
+            </a:r>
+          </a:p>
+          <a:p>
+            <a:pPr lvl="1" marL="1207008" indent="-603504" defTabSz="2413955">
+              <a:spcBef>
+                <a:spcPts val="4400"/>
+              </a:spcBef>
+              <a:defRPr sz="4752"/>
             </a:pPr>
             <a:r>
-              <a:t>export default function Form() {</a:t>
-            </a:r>
-          </a:p>
-          <a:p>
-            <a:pPr lvl="1" marL="0" indent="420623" defTabSz="2243271">
-              <a:spcBef>
-                <a:spcPts val="4100"/>
-              </a:spcBef>
-              <a:buSzTx/>
-              <a:buNone/>
-              <a:defRPr b="1" sz="4416">
-                <a:solidFill>
-                  <a:schemeClr val="accent1">
-                    <a:lumOff val="13575"/>
-                  </a:schemeClr>
-                </a:solidFill>
+              <a:t>An </a:t>
+            </a:r>
+            <a:r>
+              <a:rPr>
                 <a:latin typeface="Courier New"/>
                 <a:ea typeface="Courier New"/>
                 <a:cs typeface="Courier New"/>
                 <a:sym typeface="Courier New"/>
-              </a:defRPr>
+              </a:rPr>
+              <a:t>&lt;input&gt;</a:t>
+            </a:r>
+            <a:r>
+              <a:t> element is </a:t>
+            </a:r>
+            <a:r>
+              <a:rPr i="1"/>
+              <a:t>controlled</a:t>
+            </a:r>
+            <a:r>
+              <a:t> when its value is held in state.</a:t>
+            </a:r>
+          </a:p>
+          <a:p>
+            <a:pPr lvl="1" marL="1207008" indent="-603504" defTabSz="2413955">
+              <a:spcBef>
+                <a:spcPts val="4400"/>
+              </a:spcBef>
+              <a:defRPr sz="4752"/>
             </a:pPr>
             <a:r>
-              <a:t>const [name, setName] = useState(“”);</a:t>
-            </a:r>
-          </a:p>
-          <a:p>
-            <a:pPr lvl="1" marL="0" indent="420623" defTabSz="2243271">
-              <a:spcBef>
-                <a:spcPts val="4100"/>
-              </a:spcBef>
-              <a:buSzTx/>
-              <a:buNone/>
-              <a:defRPr b="1" sz="4416">
-                <a:solidFill>
-                  <a:schemeClr val="accent1">
-                    <a:lumOff val="13575"/>
-                  </a:schemeClr>
-                </a:solidFill>
-                <a:latin typeface="Courier New"/>
-                <a:ea typeface="Courier New"/>
-                <a:cs typeface="Courier New"/>
-                <a:sym typeface="Courier New"/>
-              </a:defRPr>
-            </a:pPr>
-            <a:r>
-              <a:t>function handleChange(event) setName(event.target.value);</a:t>
-            </a:r>
-          </a:p>
-          <a:p>
-            <a:pPr lvl="1" marL="0" indent="420623" defTabSz="2243271">
-              <a:spcBef>
-                <a:spcPts val="4100"/>
-              </a:spcBef>
-              <a:buSzTx/>
-              <a:buNone/>
-              <a:defRPr sz="4416">
-                <a:solidFill>
-                  <a:schemeClr val="accent1">
-                    <a:lumOff val="13575"/>
-                  </a:schemeClr>
-                </a:solidFill>
-                <a:latin typeface="Courier New"/>
-                <a:ea typeface="Courier New"/>
-                <a:cs typeface="Courier New"/>
-                <a:sym typeface="Courier New"/>
-              </a:defRPr>
-            </a:pPr>
-            <a:r>
-              <a:t>return (</a:t>
-            </a:r>
-          </a:p>
-          <a:p>
-            <a:pPr lvl="2" marL="0" indent="841247" defTabSz="2243271">
-              <a:spcBef>
-                <a:spcPts val="4100"/>
-              </a:spcBef>
-              <a:buSzTx/>
-              <a:buNone/>
-              <a:defRPr sz="4416">
-                <a:solidFill>
-                  <a:schemeClr val="accent3">
-                    <a:hueOff val="-385756"/>
-                    <a:satOff val="-32155"/>
-                    <a:lumOff val="17967"/>
-                  </a:schemeClr>
-                </a:solidFill>
-                <a:latin typeface="Courier New"/>
-                <a:ea typeface="Courier New"/>
-                <a:cs typeface="Courier New"/>
-                <a:sym typeface="Courier New"/>
-              </a:defRPr>
-            </a:pPr>
-            <a:r>
-              <a:t>&lt;form&gt;</a:t>
-            </a:r>
-          </a:p>
-          <a:p>
-            <a:pPr lvl="3" marL="0" indent="1261872" defTabSz="2243271">
-              <a:spcBef>
-                <a:spcPts val="4100"/>
-              </a:spcBef>
-              <a:buSzTx/>
-              <a:buNone/>
-              <a:defRPr sz="4416">
-                <a:solidFill>
-                  <a:schemeClr val="accent3">
-                    <a:hueOff val="-385756"/>
-                    <a:satOff val="-32155"/>
-                    <a:lumOff val="17967"/>
-                  </a:schemeClr>
-                </a:solidFill>
-                <a:latin typeface="Courier New"/>
-                <a:ea typeface="Courier New"/>
-                <a:cs typeface="Courier New"/>
-                <a:sym typeface="Courier New"/>
-              </a:defRPr>
-            </a:pPr>
-            <a:r>
-              <a:t>&lt;label&gt;Name</a:t>
-            </a:r>
-          </a:p>
-          <a:p>
-            <a:pPr lvl="4" marL="0" indent="1682495" defTabSz="2243271">
-              <a:spcBef>
-                <a:spcPts val="4100"/>
-              </a:spcBef>
-              <a:buSzTx/>
-              <a:buNone/>
-              <a:defRPr sz="4416">
-                <a:solidFill>
-                  <a:schemeClr val="accent3">
-                    <a:hueOff val="-385756"/>
-                    <a:satOff val="-32155"/>
-                    <a:lumOff val="17967"/>
-                  </a:schemeClr>
-                </a:solidFill>
-                <a:latin typeface="Courier New"/>
-                <a:ea typeface="Courier New"/>
-                <a:cs typeface="Courier New"/>
-                <a:sym typeface="Courier New"/>
-              </a:defRPr>
-            </a:pPr>
-            <a:r>
-              <a:t>&lt;input </a:t>
-            </a:r>
-            <a:r>
-              <a:rPr b="1">
-                <a:solidFill>
-                  <a:schemeClr val="accent1">
-                    <a:lumOff val="13575"/>
-                  </a:schemeClr>
-                </a:solidFill>
-              </a:rPr>
-              <a:t>value={name}</a:t>
-            </a:r>
-            <a:r>
-              <a:rPr>
-                <a:solidFill>
-                  <a:schemeClr val="accent1">
-                    <a:lumOff val="13575"/>
-                  </a:schemeClr>
-                </a:solidFill>
-              </a:rPr>
-              <a:t> </a:t>
-            </a:r>
-            <a:r>
-              <a:rPr b="1">
-                <a:solidFill>
-                  <a:schemeClr val="accent1">
-                    <a:lumOff val="13575"/>
-                  </a:schemeClr>
-                </a:solidFill>
-              </a:rPr>
-              <a:t>onChange={handleChange}</a:t>
-            </a:r>
-            <a:r>
-              <a:t> /&gt;</a:t>
-            </a:r>
-          </a:p>
-          <a:p>
-            <a:pPr lvl="3" marL="0" indent="1261872" defTabSz="2243271">
-              <a:spcBef>
-                <a:spcPts val="4100"/>
-              </a:spcBef>
-              <a:buSzTx/>
-              <a:buNone/>
-              <a:defRPr sz="4416">
-                <a:solidFill>
-                  <a:schemeClr val="accent3">
-                    <a:hueOff val="-385756"/>
-                    <a:satOff val="-32155"/>
-                    <a:lumOff val="17967"/>
-                  </a:schemeClr>
-                </a:solidFill>
-                <a:latin typeface="Courier New"/>
-                <a:ea typeface="Courier New"/>
-                <a:cs typeface="Courier New"/>
-                <a:sym typeface="Courier New"/>
-              </a:defRPr>
-            </a:pPr>
-            <a:r>
-              <a:t>&lt;/label&gt;</a:t>
-            </a:r>
-          </a:p>
-          <a:p>
-            <a:pPr lvl="3" marL="0" indent="1261872" defTabSz="2243271">
-              <a:spcBef>
-                <a:spcPts val="4100"/>
-              </a:spcBef>
-              <a:buSzTx/>
-              <a:buNone/>
-              <a:defRPr sz="4416">
-                <a:solidFill>
-                  <a:schemeClr val="accent3">
-                    <a:hueOff val="-385756"/>
-                    <a:satOff val="-32155"/>
-                    <a:lumOff val="17967"/>
-                  </a:schemeClr>
-                </a:solidFill>
-                <a:latin typeface="Courier New"/>
-                <a:ea typeface="Courier New"/>
-                <a:cs typeface="Courier New"/>
-                <a:sym typeface="Courier New"/>
-              </a:defRPr>
-            </a:pPr>
-            <a:r>
-              <a:t>&lt;input type=“submit” /&gt;</a:t>
-            </a:r>
-          </a:p>
-          <a:p>
-            <a:pPr lvl="2" marL="0" indent="841247" defTabSz="2243271">
-              <a:spcBef>
-                <a:spcPts val="4100"/>
-              </a:spcBef>
-              <a:buSzTx/>
-              <a:buNone/>
-              <a:defRPr sz="4416">
-                <a:solidFill>
-                  <a:schemeClr val="accent3">
-                    <a:hueOff val="-385756"/>
-                    <a:satOff val="-32155"/>
-                    <a:lumOff val="17967"/>
-                  </a:schemeClr>
-                </a:solidFill>
-                <a:latin typeface="Courier New"/>
-                <a:ea typeface="Courier New"/>
-                <a:cs typeface="Courier New"/>
-                <a:sym typeface="Courier New"/>
-              </a:defRPr>
-            </a:pPr>
-            <a:r>
-              <a:t>&lt;form&gt;</a:t>
-            </a:r>
-          </a:p>
-          <a:p>
-            <a:pPr lvl="1" marL="0" indent="420623" defTabSz="2243271">
-              <a:spcBef>
-                <a:spcPts val="4100"/>
-              </a:spcBef>
-              <a:buSzTx/>
-              <a:buNone/>
-              <a:defRPr sz="4416">
-                <a:solidFill>
-                  <a:schemeClr val="accent1">
-                    <a:lumOff val="13575"/>
-                  </a:schemeClr>
-                </a:solidFill>
-                <a:latin typeface="Courier New"/>
-                <a:ea typeface="Courier New"/>
-                <a:cs typeface="Courier New"/>
-                <a:sym typeface="Courier New"/>
-              </a:defRPr>
-            </a:pPr>
-            <a:r>
-              <a:t>)</a:t>
-            </a:r>
-          </a:p>
-          <a:p>
-            <a:pPr marL="0" indent="0" defTabSz="2243271">
-              <a:spcBef>
-                <a:spcPts val="4100"/>
-              </a:spcBef>
-              <a:buSzTx/>
-              <a:buNone/>
-              <a:defRPr sz="4416">
-                <a:solidFill>
-                  <a:schemeClr val="accent1">
-                    <a:lumOff val="13575"/>
-                  </a:schemeClr>
-                </a:solidFill>
-                <a:latin typeface="Courier New"/>
-                <a:ea typeface="Courier New"/>
-                <a:cs typeface="Courier New"/>
-                <a:sym typeface="Courier New"/>
-              </a:defRPr>
-            </a:pPr>
-            <a:r>
-              <a:t>}</a:t>
+              <a:t>The act of “controlling” a component is often known as </a:t>
+            </a:r>
+            <a:r>
+              <a:rPr i="1"/>
+              <a:t>lifting state up</a:t>
+            </a:r>
+            <a:r>
+              <a:t>.</a:t>
             </a:r>
           </a:p>
         </p:txBody>
@@ -5873,31 +6125,7 @@
       </p:grpSpPr>
       <p:sp>
         <p:nvSpPr>
-          <p:cNvPr id="174" name="Why “control” a form?"/>
-          <p:cNvSpPr txBox="1"/>
-          <p:nvPr>
-            <p:ph type="title"/>
-          </p:nvPr>
-        </p:nvSpPr>
-        <p:spPr>
-          <a:prstGeom prst="rect">
-            <a:avLst/>
-          </a:prstGeom>
-        </p:spPr>
-        <p:txBody>
-          <a:bodyPr/>
-          <a:lstStyle/>
-          <a:p>
-            <a:pPr/>
-            <a:r>
-              <a:t>Why “control” a form?</a:t>
-            </a:r>
-          </a:p>
-        </p:txBody>
-      </p:sp>
-      <p:sp>
-        <p:nvSpPr>
-          <p:cNvPr id="175" name="Controlling a component (i.e., lifting its state) requires setup.…"/>
+          <p:cNvPr id="175" name="export default function Form() {…"/>
           <p:cNvSpPr txBox="1"/>
           <p:nvPr>
             <p:ph type="body" idx="1"/>
@@ -5905,8 +6133,8 @@
         </p:nvSpPr>
         <p:spPr>
           <a:xfrm>
-            <a:off x="1206500" y="4248503"/>
-            <a:ext cx="21971000" cy="8256013"/>
+            <a:off x="1246103" y="433782"/>
+            <a:ext cx="21971001" cy="12848436"/>
           </a:xfrm>
           <a:prstGeom prst="rect">
             <a:avLst/>
@@ -5916,87 +6144,324 @@
           <a:bodyPr/>
           <a:lstStyle/>
           <a:p>
-            <a:pPr lvl="1"/>
-            <a:r>
-              <a:t>Controlling a component (i.e., lifting its state) requires setup.</a:t>
-            </a:r>
-          </a:p>
-          <a:p>
-            <a:pPr lvl="2"/>
-            <a:r>
-              <a:t>It’d be tedious and unwise to lift all state.</a:t>
-            </a:r>
-          </a:p>
-          <a:p>
-            <a:pPr lvl="2"/>
-            <a:r>
-              <a:t>Often, state belongs right where its rendered.</a:t>
-            </a:r>
-          </a:p>
-          <a:p>
-            <a:pPr lvl="1"/>
-            <a:r>
-              <a:t>However, controlling a component grants us </a:t>
-            </a:r>
-            <a:r>
-              <a:rPr u="sng"/>
-              <a:t>maximal flexibility</a:t>
-            </a:r>
-            <a:r>
-              <a:t>.</a:t>
-            </a:r>
-          </a:p>
-          <a:p>
-            <a:pPr lvl="2"/>
-            <a:r>
-              <a:t>For forms, we get cool stuff like input </a:t>
-            </a:r>
-            <a:r>
-              <a:rPr u="sng"/>
-              <a:t>validation</a:t>
-            </a:r>
-            <a:r>
-              <a:t> and </a:t>
-            </a:r>
-            <a:r>
-              <a:rPr u="sng"/>
-              <a:t>synchronization.</a:t>
-            </a:r>
-          </a:p>
-        </p:txBody>
-      </p:sp>
-      <p:sp>
-        <p:nvSpPr>
-          <p:cNvPr id="176" name="*I put “control” in quotes because when we talk about a controlled form, we really mean a form that controls its children."/>
-          <p:cNvSpPr txBox="1"/>
-          <p:nvPr/>
-        </p:nvSpPr>
-        <p:spPr>
-          <a:xfrm>
-            <a:off x="2324357" y="12692498"/>
-            <a:ext cx="19735287" cy="461366"/>
-          </a:xfrm>
-          <a:prstGeom prst="rect">
-            <a:avLst/>
-          </a:prstGeom>
-          <a:ln w="12700">
-            <a:miter lim="400000"/>
-          </a:ln>
-          <a:extLst>
-            <a:ext uri="{C572A759-6A51-4108-AA02-DFA0A04FC94B}">
-              <ma14:wrappingTextBoxFlag xmlns:ma14="http://schemas.microsoft.com/office/mac/drawingml/2011/main" val="1"/>
-            </a:ext>
-          </a:extLst>
-        </p:spPr>
-        <p:txBody>
-          <a:bodyPr lIns="50800" tIns="50800" rIns="50800" bIns="50800" anchor="ctr">
-            <a:spAutoFit/>
-          </a:bodyPr>
-          <a:lstStyle/>
-          <a:p>
-            <a:pPr/>
-            <a:r>
-              <a:t>*I put “control” in quotes because when we talk about a controlled form, we really mean a form that controls its children.</a:t>
+            <a:pPr marL="0" indent="0" defTabSz="2243271">
+              <a:spcBef>
+                <a:spcPts val="4100"/>
+              </a:spcBef>
+              <a:buSzTx/>
+              <a:buNone/>
+              <a:defRPr sz="4416">
+                <a:solidFill>
+                  <a:schemeClr val="accent1">
+                    <a:lumOff val="13575"/>
+                  </a:schemeClr>
+                </a:solidFill>
+                <a:latin typeface="Courier New"/>
+                <a:ea typeface="Courier New"/>
+                <a:cs typeface="Courier New"/>
+                <a:sym typeface="Courier New"/>
+              </a:defRPr>
+            </a:pPr>
+            <a:r>
+              <a:t>export default function Form() {</a:t>
+            </a:r>
+          </a:p>
+          <a:p>
+            <a:pPr lvl="1" marL="0" indent="420623" defTabSz="2243271">
+              <a:spcBef>
+                <a:spcPts val="4100"/>
+              </a:spcBef>
+              <a:buSzTx/>
+              <a:buNone/>
+              <a:defRPr b="1" sz="4416">
+                <a:solidFill>
+                  <a:schemeClr val="accent1">
+                    <a:lumOff val="13575"/>
+                  </a:schemeClr>
+                </a:solidFill>
+                <a:latin typeface="Courier New"/>
+                <a:ea typeface="Courier New"/>
+                <a:cs typeface="Courier New"/>
+                <a:sym typeface="Courier New"/>
+              </a:defRPr>
+            </a:pPr>
+            <a:r>
+              <a:t>const [name, setName] = useState(“”);</a:t>
+            </a:r>
+          </a:p>
+          <a:p>
+            <a:pPr lvl="1" marL="0" indent="420623" defTabSz="2243271">
+              <a:spcBef>
+                <a:spcPts val="4100"/>
+              </a:spcBef>
+              <a:buSzTx/>
+              <a:buNone/>
+              <a:defRPr b="1" sz="4416">
+                <a:solidFill>
+                  <a:schemeClr val="accent1">
+                    <a:lumOff val="13575"/>
+                  </a:schemeClr>
+                </a:solidFill>
+                <a:latin typeface="Courier New"/>
+                <a:ea typeface="Courier New"/>
+                <a:cs typeface="Courier New"/>
+                <a:sym typeface="Courier New"/>
+              </a:defRPr>
+            </a:pPr>
+            <a:r>
+              <a:t>function handleChange(event) setName(event.target.value);</a:t>
+            </a:r>
+          </a:p>
+          <a:p>
+            <a:pPr lvl="1" marL="0" indent="420623" defTabSz="2243271">
+              <a:spcBef>
+                <a:spcPts val="4100"/>
+              </a:spcBef>
+              <a:buSzTx/>
+              <a:buNone/>
+              <a:defRPr sz="4416">
+                <a:solidFill>
+                  <a:schemeClr val="accent1">
+                    <a:lumOff val="13575"/>
+                  </a:schemeClr>
+                </a:solidFill>
+                <a:latin typeface="Courier New"/>
+                <a:ea typeface="Courier New"/>
+                <a:cs typeface="Courier New"/>
+                <a:sym typeface="Courier New"/>
+              </a:defRPr>
+            </a:pPr>
+            <a:r>
+              <a:t>return (</a:t>
+            </a:r>
+          </a:p>
+          <a:p>
+            <a:pPr lvl="2" marL="0" indent="841247" defTabSz="2243271">
+              <a:spcBef>
+                <a:spcPts val="4100"/>
+              </a:spcBef>
+              <a:buSzTx/>
+              <a:buNone/>
+              <a:defRPr sz="4416">
+                <a:solidFill>
+                  <a:schemeClr val="accent3">
+                    <a:hueOff val="-385756"/>
+                    <a:satOff val="-32155"/>
+                    <a:lumOff val="17967"/>
+                  </a:schemeClr>
+                </a:solidFill>
+                <a:latin typeface="Courier New"/>
+                <a:ea typeface="Courier New"/>
+                <a:cs typeface="Courier New"/>
+                <a:sym typeface="Courier New"/>
+              </a:defRPr>
+            </a:pPr>
+            <a:r>
+              <a:t>&lt;form&gt;</a:t>
+            </a:r>
+          </a:p>
+          <a:p>
+            <a:pPr lvl="3" marL="0" indent="1261872" defTabSz="2243271">
+              <a:spcBef>
+                <a:spcPts val="4100"/>
+              </a:spcBef>
+              <a:buSzTx/>
+              <a:buNone/>
+              <a:defRPr sz="4416">
+                <a:solidFill>
+                  <a:schemeClr val="accent3">
+                    <a:hueOff val="-385756"/>
+                    <a:satOff val="-32155"/>
+                    <a:lumOff val="17967"/>
+                  </a:schemeClr>
+                </a:solidFill>
+                <a:latin typeface="Courier New"/>
+                <a:ea typeface="Courier New"/>
+                <a:cs typeface="Courier New"/>
+                <a:sym typeface="Courier New"/>
+              </a:defRPr>
+            </a:pPr>
+            <a:r>
+              <a:t>&lt;label&gt;Name</a:t>
+            </a:r>
+          </a:p>
+          <a:p>
+            <a:pPr lvl="4" marL="0" indent="1682495" defTabSz="2243271">
+              <a:spcBef>
+                <a:spcPts val="4100"/>
+              </a:spcBef>
+              <a:buSzTx/>
+              <a:buNone/>
+              <a:defRPr sz="4416">
+                <a:solidFill>
+                  <a:schemeClr val="accent3">
+                    <a:hueOff val="-385756"/>
+                    <a:satOff val="-32155"/>
+                    <a:lumOff val="17967"/>
+                  </a:schemeClr>
+                </a:solidFill>
+                <a:latin typeface="Courier New"/>
+                <a:ea typeface="Courier New"/>
+                <a:cs typeface="Courier New"/>
+                <a:sym typeface="Courier New"/>
+              </a:defRPr>
+            </a:pPr>
+            <a:r>
+              <a:t>&lt;input </a:t>
+            </a:r>
+            <a:r>
+              <a:rPr b="1">
+                <a:solidFill>
+                  <a:schemeClr val="accent1">
+                    <a:lumOff val="13575"/>
+                  </a:schemeClr>
+                </a:solidFill>
+              </a:rPr>
+              <a:t>value={name}</a:t>
+            </a:r>
+            <a:r>
+              <a:rPr>
+                <a:solidFill>
+                  <a:schemeClr val="accent1">
+                    <a:lumOff val="13575"/>
+                  </a:schemeClr>
+                </a:solidFill>
+              </a:rPr>
+              <a:t> </a:t>
+            </a:r>
+            <a:r>
+              <a:rPr b="1">
+                <a:solidFill>
+                  <a:schemeClr val="accent1">
+                    <a:lumOff val="13575"/>
+                  </a:schemeClr>
+                </a:solidFill>
+              </a:rPr>
+              <a:t>onChange={handleChange}</a:t>
+            </a:r>
+            <a:r>
+              <a:t> /&gt;</a:t>
+            </a:r>
+          </a:p>
+          <a:p>
+            <a:pPr lvl="3" marL="0" indent="1261872" defTabSz="2243271">
+              <a:spcBef>
+                <a:spcPts val="4100"/>
+              </a:spcBef>
+              <a:buSzTx/>
+              <a:buNone/>
+              <a:defRPr sz="4416">
+                <a:solidFill>
+                  <a:schemeClr val="accent3">
+                    <a:hueOff val="-385756"/>
+                    <a:satOff val="-32155"/>
+                    <a:lumOff val="17967"/>
+                  </a:schemeClr>
+                </a:solidFill>
+                <a:latin typeface="Courier New"/>
+                <a:ea typeface="Courier New"/>
+                <a:cs typeface="Courier New"/>
+                <a:sym typeface="Courier New"/>
+              </a:defRPr>
+            </a:pPr>
+            <a:r>
+              <a:t>&lt;/label&gt;</a:t>
+            </a:r>
+          </a:p>
+          <a:p>
+            <a:pPr lvl="3" marL="0" indent="1261872" defTabSz="2243271">
+              <a:spcBef>
+                <a:spcPts val="4100"/>
+              </a:spcBef>
+              <a:buSzTx/>
+              <a:buNone/>
+              <a:defRPr sz="4416">
+                <a:solidFill>
+                  <a:schemeClr val="accent3">
+                    <a:hueOff val="-385756"/>
+                    <a:satOff val="-32155"/>
+                    <a:lumOff val="17967"/>
+                  </a:schemeClr>
+                </a:solidFill>
+                <a:latin typeface="Courier New"/>
+                <a:ea typeface="Courier New"/>
+                <a:cs typeface="Courier New"/>
+                <a:sym typeface="Courier New"/>
+              </a:defRPr>
+            </a:pPr>
+            <a:r>
+              <a:t>&lt;input type=“submit” /&gt;</a:t>
+            </a:r>
+          </a:p>
+          <a:p>
+            <a:pPr lvl="2" marL="0" indent="841247" defTabSz="2243271">
+              <a:spcBef>
+                <a:spcPts val="4100"/>
+              </a:spcBef>
+              <a:buSzTx/>
+              <a:buNone/>
+              <a:defRPr sz="4416">
+                <a:solidFill>
+                  <a:schemeClr val="accent3">
+                    <a:hueOff val="-385756"/>
+                    <a:satOff val="-32155"/>
+                    <a:lumOff val="17967"/>
+                  </a:schemeClr>
+                </a:solidFill>
+                <a:latin typeface="Courier New"/>
+                <a:ea typeface="Courier New"/>
+                <a:cs typeface="Courier New"/>
+                <a:sym typeface="Courier New"/>
+              </a:defRPr>
+            </a:pPr>
+            <a:r>
+              <a:t>&lt;form&gt;</a:t>
+            </a:r>
+          </a:p>
+          <a:p>
+            <a:pPr lvl="1" marL="0" indent="420623" defTabSz="2243271">
+              <a:spcBef>
+                <a:spcPts val="4100"/>
+              </a:spcBef>
+              <a:buSzTx/>
+              <a:buNone/>
+              <a:defRPr sz="4416">
+                <a:solidFill>
+                  <a:schemeClr val="accent1">
+                    <a:lumOff val="13575"/>
+                  </a:schemeClr>
+                </a:solidFill>
+                <a:latin typeface="Courier New"/>
+                <a:ea typeface="Courier New"/>
+                <a:cs typeface="Courier New"/>
+                <a:sym typeface="Courier New"/>
+              </a:defRPr>
+            </a:pPr>
+            <a:r>
+              <a:t>)</a:t>
+            </a:r>
+          </a:p>
+          <a:p>
+            <a:pPr marL="0" indent="0" defTabSz="2243271">
+              <a:spcBef>
+                <a:spcPts val="4100"/>
+              </a:spcBef>
+              <a:buSzTx/>
+              <a:buNone/>
+              <a:defRPr sz="4416">
+                <a:solidFill>
+                  <a:schemeClr val="accent1">
+                    <a:lumOff val="13575"/>
+                  </a:schemeClr>
+                </a:solidFill>
+                <a:latin typeface="Courier New"/>
+                <a:ea typeface="Courier New"/>
+                <a:cs typeface="Courier New"/>
+                <a:sym typeface="Courier New"/>
+              </a:defRPr>
+            </a:pPr>
+            <a:r>
+              <a:t>}</a:t>
             </a:r>
           </a:p>
         </p:txBody>

--- a/phase-2/forms/slides/forms.pptx
+++ b/phase-2/forms/slides/forms.pptx
@@ -3922,7 +3922,7 @@
       </p:grpSpPr>
       <p:sp>
         <p:nvSpPr>
-          <p:cNvPr id="151" name="Sakib Rasul | Updated August 4, 2023"/>
+          <p:cNvPr id="151" name="Sakib Rasul | Updated January 31, 2024 | Created June 15, 2023"/>
           <p:cNvSpPr txBox="1"/>
           <p:nvPr>
             <p:ph type="body" idx="21"/>
@@ -3944,7 +3944,7 @@
           <a:p>
             <a:pPr/>
             <a:r>
-              <a:t>Sakib Rasul | Updated August 4, 2023</a:t>
+              <a:t>Sakib Rasul | Updated January 31, 2024 | Created June 15, 2023</a:t>
             </a:r>
           </a:p>
         </p:txBody>
@@ -3975,7 +3975,7 @@
       </p:sp>
       <p:sp>
         <p:nvSpPr>
-          <p:cNvPr id="153" name="Phase 2 // Week 1, Day 4"/>
+          <p:cNvPr id="153" name="Phase 2 | Week 1, Lesson 4"/>
           <p:cNvSpPr txBox="1"/>
           <p:nvPr>
             <p:ph type="subTitle" sz="quarter" idx="1"/>
@@ -3992,7 +3992,7 @@
           <a:p>
             <a:pPr/>
             <a:r>
-              <a:t>Phase 2 // Week 1, Day 4</a:t>
+              <a:t>Phase 2 | Week 1, Lesson 4</a:t>
             </a:r>
           </a:p>
         </p:txBody>

--- a/phase-2/forms/slides/forms.pptx
+++ b/phase-2/forms/slides/forms.pptx
@@ -5558,7 +5558,7 @@
               </a:defRPr>
             </a:pPr>
             <a:r>
-              <a:t>function handleChange(event) console.log(event.target.value)</a:t>
+              <a:t>function handleChange(event) setName(event.target.value)</a:t>
             </a:r>
           </a:p>
           <a:p>
@@ -6044,7 +6044,7 @@
               <a:t>uncontrolled</a:t>
             </a:r>
             <a:r>
-              <a:t> when its value isn’t held in state.</a:t>
+              <a:t> when its value is managed internally.</a:t>
             </a:r>
           </a:p>
           <a:p>
@@ -6074,7 +6074,7 @@
               <a:t>controlled</a:t>
             </a:r>
             <a:r>
-              <a:t> when its value is held in state.</a:t>
+              <a:t> when its value is managed by its parent.</a:t>
             </a:r>
           </a:p>
           <a:p>
